--- a/Hack-a-Thon Presentation.pptx
+++ b/Hack-a-Thon Presentation.pptx
@@ -2,7 +2,7 @@
 <file path=ppt/presentation.xml><?xml version="1.0" encoding="utf-8"?>
 <p:presentation xmlns:a="http://schemas.openxmlformats.org/drawingml/2006/main" xmlns:r="http://schemas.openxmlformats.org/officeDocument/2006/relationships" xmlns:p="http://schemas.openxmlformats.org/presentationml/2006/main" saveSubsetFonts="1">
   <p:sldMasterIdLst>
-    <p:sldMasterId id="2147483648" r:id="rId1"/>
+    <p:sldMasterId id="2147483720" r:id="rId1"/>
   </p:sldMasterIdLst>
   <p:sldIdLst>
     <p:sldId id="256" r:id="rId2"/>
@@ -129,29 +129,87 @@
       </p:grpSpPr>
       <p:sp>
         <p:nvSpPr>
-          <p:cNvPr id="2" name="Title 1"/>
-          <p:cNvSpPr>
-            <a:spLocks noGrp="1"/>
-          </p:cNvSpPr>
-          <p:nvPr>
-            <p:ph type="ctrTitle"/>
-          </p:nvPr>
+          <p:cNvPr id="8" name="TextBox 7"/>
+          <p:cNvSpPr txBox="1"/>
+          <p:nvPr/>
         </p:nvSpPr>
         <p:spPr>
           <a:xfrm>
-            <a:off x="685800" y="2130425"/>
-            <a:ext cx="7772400" cy="1470025"/>
+            <a:off x="1828800" y="3159760"/>
+            <a:ext cx="457200" cy="1034129"/>
+          </a:xfrm>
+          <a:prstGeom prst="rect">
+            <a:avLst/>
+          </a:prstGeom>
+          <a:noFill/>
+        </p:spPr>
+        <p:txBody>
+          <a:bodyPr wrap="square" lIns="0" tIns="9144" rIns="0" bIns="9144" rtlCol="0" anchor="ctr" anchorCtr="0">
+            <a:spAutoFit/>
+          </a:bodyPr>
+          <a:lstStyle/>
+          <a:p>
+            <a:r>
+              <a:rPr lang="en-US" sz="6600" dirty="0" smtClean="0">
+                <a:effectLst>
+                  <a:outerShdw blurRad="38100" dist="38100" dir="2700000" algn="tl">
+                    <a:srgbClr val="000000">
+                      <a:alpha val="43137"/>
+                    </a:srgbClr>
+                  </a:outerShdw>
+                </a:effectLst>
+                <a:latin typeface="+mn-lt"/>
+              </a:rPr>
+              <a:t>{</a:t>
+            </a:r>
+            <a:endParaRPr lang="en-US" sz="6600" dirty="0">
+              <a:effectLst>
+                <a:outerShdw blurRad="38100" dist="38100" dir="2700000" algn="tl">
+                  <a:srgbClr val="000000">
+                    <a:alpha val="43137"/>
+                  </a:srgbClr>
+                </a:outerShdw>
+              </a:effectLst>
+              <a:latin typeface="+mn-lt"/>
+            </a:endParaRPr>
+          </a:p>
+        </p:txBody>
+      </p:sp>
+      <p:sp>
+        <p:nvSpPr>
+          <p:cNvPr id="2" name="Title 1"/>
+          <p:cNvSpPr>
+            <a:spLocks noGrp="1"/>
+          </p:cNvSpPr>
+          <p:nvPr>
+            <p:ph type="ctrTitle"/>
+          </p:nvPr>
+        </p:nvSpPr>
+        <p:spPr>
+          <a:xfrm>
+            <a:off x="777240" y="1219200"/>
+            <a:ext cx="7543800" cy="2152650"/>
           </a:xfrm>
         </p:spPr>
         <p:txBody>
-          <a:bodyPr/>
-          <a:lstStyle/>
+          <a:bodyPr>
+            <a:noAutofit/>
+          </a:bodyPr>
+          <a:lstStyle>
+            <a:lvl1pPr>
+              <a:defRPr sz="6000">
+                <a:solidFill>
+                  <a:schemeClr val="tx1"/>
+                </a:solidFill>
+              </a:defRPr>
+            </a:lvl1pPr>
+          </a:lstStyle>
           <a:p>
             <a:r>
               <a:rPr lang="en-US" smtClean="0"/>
               <a:t>Click to edit Master title style</a:t>
             </a:r>
-            <a:endParaRPr lang="en-US"/>
+            <a:endParaRPr lang="en-US" dirty="0"/>
           </a:p>
         </p:txBody>
       </p:sp>
@@ -167,20 +225,18 @@
         </p:nvSpPr>
         <p:spPr>
           <a:xfrm>
-            <a:off x="1371600" y="3886200"/>
-            <a:ext cx="6400800" cy="1752600"/>
+            <a:off x="2133600" y="3375491"/>
+            <a:ext cx="6172200" cy="685800"/>
           </a:xfrm>
         </p:spPr>
         <p:txBody>
-          <a:bodyPr/>
+          <a:bodyPr anchor="ctr"/>
           <a:lstStyle>
-            <a:lvl1pPr marL="0" indent="0" algn="ctr">
+            <a:lvl1pPr marL="0" indent="0" algn="l">
               <a:buNone/>
               <a:defRPr>
                 <a:solidFill>
-                  <a:schemeClr val="tx1">
-                    <a:tint val="75000"/>
-                  </a:schemeClr>
+                  <a:schemeClr val="tx1"/>
                 </a:solidFill>
               </a:defRPr>
             </a:lvl1pPr>
@@ -270,13 +326,13 @@
               <a:rPr lang="en-US" smtClean="0"/>
               <a:t>Click to edit Master subtitle style</a:t>
             </a:r>
-            <a:endParaRPr lang="en-US"/>
-          </a:p>
-        </p:txBody>
-      </p:sp>
-      <p:sp>
-        <p:nvSpPr>
-          <p:cNvPr id="4" name="Date Placeholder 3"/>
+            <a:endParaRPr lang="en-US" dirty="0"/>
+          </a:p>
+        </p:txBody>
+      </p:sp>
+      <p:sp>
+        <p:nvSpPr>
+          <p:cNvPr id="15" name="Date Placeholder 14"/>
           <p:cNvSpPr>
             <a:spLocks noGrp="1"/>
           </p:cNvSpPr>
@@ -299,31 +355,12 @@
       </p:sp>
       <p:sp>
         <p:nvSpPr>
-          <p:cNvPr id="5" name="Footer Placeholder 4"/>
-          <p:cNvSpPr>
-            <a:spLocks noGrp="1"/>
-          </p:cNvSpPr>
-          <p:nvPr>
-            <p:ph type="ftr" sz="quarter" idx="11"/>
-          </p:nvPr>
-        </p:nvSpPr>
-        <p:spPr/>
-        <p:txBody>
-          <a:bodyPr/>
-          <a:lstStyle/>
-          <a:p>
-            <a:endParaRPr lang="en-US"/>
-          </a:p>
-        </p:txBody>
-      </p:sp>
-      <p:sp>
-        <p:nvSpPr>
-          <p:cNvPr id="6" name="Slide Number Placeholder 5"/>
-          <p:cNvSpPr>
-            <a:spLocks noGrp="1"/>
-          </p:cNvSpPr>
-          <p:nvPr>
-            <p:ph type="sldNum" sz="quarter" idx="12"/>
+          <p:cNvPr id="16" name="Slide Number Placeholder 15"/>
+          <p:cNvSpPr>
+            <a:spLocks noGrp="1"/>
+          </p:cNvSpPr>
+          <p:nvPr>
+            <p:ph type="sldNum" sz="quarter" idx="11"/>
           </p:nvPr>
         </p:nvSpPr>
         <p:spPr/>
@@ -339,12 +376,26 @@
           </a:p>
         </p:txBody>
       </p:sp>
+      <p:sp>
+        <p:nvSpPr>
+          <p:cNvPr id="17" name="Footer Placeholder 16"/>
+          <p:cNvSpPr>
+            <a:spLocks noGrp="1"/>
+          </p:cNvSpPr>
+          <p:nvPr>
+            <p:ph type="ftr" sz="quarter" idx="12"/>
+          </p:nvPr>
+        </p:nvSpPr>
+        <p:spPr/>
+        <p:txBody>
+          <a:bodyPr/>
+          <a:lstStyle/>
+          <a:p>
+            <a:endParaRPr lang="en-US"/>
+          </a:p>
+        </p:txBody>
+      </p:sp>
     </p:spTree>
-    <p:extLst>
-      <p:ext uri="{BB962C8B-B14F-4D97-AF65-F5344CB8AC3E}">
-        <p14:creationId xmlns:p14="http://schemas.microsoft.com/office/powerpoint/2010/main" val="3082208977"/>
-      </p:ext>
-    </p:extLst>
   </p:cSld>
   <p:clrMapOvr>
     <a:masterClrMapping/>
@@ -388,7 +439,7 @@
               <a:rPr lang="en-US" smtClean="0"/>
               <a:t>Click to edit Master title style</a:t>
             </a:r>
-            <a:endParaRPr lang="en-US"/>
+            <a:endParaRPr lang="en-US" dirty="0"/>
           </a:p>
         </p:txBody>
       </p:sp>
@@ -402,9 +453,14 @@
             <p:ph type="body" orient="vert" idx="1"/>
           </p:nvPr>
         </p:nvSpPr>
-        <p:spPr/>
-        <p:txBody>
-          <a:bodyPr vert="eaVert"/>
+        <p:spPr>
+          <a:xfrm>
+            <a:off x="2133600" y="685801"/>
+            <a:ext cx="5791200" cy="3505199"/>
+          </a:xfrm>
+        </p:spPr>
+        <p:txBody>
+          <a:bodyPr vert="eaVert" anchor="t"/>
           <a:lstStyle/>
           <a:p>
             <a:pPr lvl="0"/>
@@ -510,11 +566,6 @@
         </p:txBody>
       </p:sp>
     </p:spTree>
-    <p:extLst>
-      <p:ext uri="{BB962C8B-B14F-4D97-AF65-F5344CB8AC3E}">
-        <p14:creationId xmlns:p14="http://schemas.microsoft.com/office/powerpoint/2010/main" val="1492682143"/>
-      </p:ext>
-    </p:extLst>
   </p:cSld>
   <p:clrMapOvr>
     <a:masterClrMapping/>
@@ -551,8 +602,8 @@
         </p:nvSpPr>
         <p:spPr>
           <a:xfrm>
-            <a:off x="6629400" y="274638"/>
-            <a:ext cx="2057400" cy="5851525"/>
+            <a:off x="609600" y="609601"/>
+            <a:ext cx="2133600" cy="5181600"/>
           </a:xfrm>
         </p:spPr>
         <p:txBody>
@@ -563,7 +614,7 @@
               <a:rPr lang="en-US" smtClean="0"/>
               <a:t>Click to edit Master title style</a:t>
             </a:r>
-            <a:endParaRPr lang="en-US"/>
+            <a:endParaRPr lang="en-US" dirty="0"/>
           </a:p>
         </p:txBody>
       </p:sp>
@@ -579,12 +630,12 @@
         </p:nvSpPr>
         <p:spPr>
           <a:xfrm>
-            <a:off x="457200" y="274638"/>
-            <a:ext cx="6019800" cy="5851525"/>
+            <a:off x="2895600" y="685801"/>
+            <a:ext cx="5029200" cy="4572000"/>
           </a:xfrm>
         </p:spPr>
         <p:txBody>
-          <a:bodyPr vert="eaVert"/>
+          <a:bodyPr vert="eaVert" anchor="t"/>
           <a:lstStyle/>
           <a:p>
             <a:pPr lvl="0"/>
@@ -620,7 +671,7 @@
               <a:rPr lang="en-US" smtClean="0"/>
               <a:t>Fifth level</a:t>
             </a:r>
-            <a:endParaRPr lang="en-US"/>
+            <a:endParaRPr lang="en-US" dirty="0"/>
           </a:p>
         </p:txBody>
       </p:sp>
@@ -690,11 +741,6 @@
         </p:txBody>
       </p:sp>
     </p:spTree>
-    <p:extLst>
-      <p:ext uri="{BB962C8B-B14F-4D97-AF65-F5344CB8AC3E}">
-        <p14:creationId xmlns:p14="http://schemas.microsoft.com/office/powerpoint/2010/main" val="270539296"/>
-      </p:ext>
-    </p:extLst>
   </p:cSld>
   <p:clrMapOvr>
     <a:masterClrMapping/>
@@ -721,7 +767,59 @@
       </p:grpSpPr>
       <p:sp>
         <p:nvSpPr>
-          <p:cNvPr id="2" name="Title 1"/>
+          <p:cNvPr id="3" name="Content Placeholder 2"/>
+          <p:cNvSpPr>
+            <a:spLocks noGrp="1"/>
+          </p:cNvSpPr>
+          <p:nvPr>
+            <p:ph idx="1"/>
+          </p:nvPr>
+        </p:nvSpPr>
+        <p:spPr/>
+        <p:txBody>
+          <a:bodyPr/>
+          <a:lstStyle/>
+          <a:p>
+            <a:pPr lvl="0"/>
+            <a:r>
+              <a:rPr lang="en-US" smtClean="0"/>
+              <a:t>Click to edit Master text styles</a:t>
+            </a:r>
+          </a:p>
+          <a:p>
+            <a:pPr lvl="1"/>
+            <a:r>
+              <a:rPr lang="en-US" smtClean="0"/>
+              <a:t>Second level</a:t>
+            </a:r>
+          </a:p>
+          <a:p>
+            <a:pPr lvl="2"/>
+            <a:r>
+              <a:rPr lang="en-US" smtClean="0"/>
+              <a:t>Third level</a:t>
+            </a:r>
+          </a:p>
+          <a:p>
+            <a:pPr lvl="3"/>
+            <a:r>
+              <a:rPr lang="en-US" smtClean="0"/>
+              <a:t>Fourth level</a:t>
+            </a:r>
+          </a:p>
+          <a:p>
+            <a:pPr lvl="4"/>
+            <a:r>
+              <a:rPr lang="en-US" smtClean="0"/>
+              <a:t>Fifth level</a:t>
+            </a:r>
+            <a:endParaRPr lang="en-US"/>
+          </a:p>
+        </p:txBody>
+      </p:sp>
+      <p:sp>
+        <p:nvSpPr>
+          <p:cNvPr id="13" name="Title 12"/>
           <p:cNvSpPr>
             <a:spLocks noGrp="1"/>
           </p:cNvSpPr>
@@ -744,59 +842,7 @@
       </p:sp>
       <p:sp>
         <p:nvSpPr>
-          <p:cNvPr id="3" name="Content Placeholder 2"/>
-          <p:cNvSpPr>
-            <a:spLocks noGrp="1"/>
-          </p:cNvSpPr>
-          <p:nvPr>
-            <p:ph idx="1"/>
-          </p:nvPr>
-        </p:nvSpPr>
-        <p:spPr/>
-        <p:txBody>
-          <a:bodyPr/>
-          <a:lstStyle/>
-          <a:p>
-            <a:pPr lvl="0"/>
-            <a:r>
-              <a:rPr lang="en-US" smtClean="0"/>
-              <a:t>Click to edit Master text styles</a:t>
-            </a:r>
-          </a:p>
-          <a:p>
-            <a:pPr lvl="1"/>
-            <a:r>
-              <a:rPr lang="en-US" smtClean="0"/>
-              <a:t>Second level</a:t>
-            </a:r>
-          </a:p>
-          <a:p>
-            <a:pPr lvl="2"/>
-            <a:r>
-              <a:rPr lang="en-US" smtClean="0"/>
-              <a:t>Third level</a:t>
-            </a:r>
-          </a:p>
-          <a:p>
-            <a:pPr lvl="3"/>
-            <a:r>
-              <a:rPr lang="en-US" smtClean="0"/>
-              <a:t>Fourth level</a:t>
-            </a:r>
-          </a:p>
-          <a:p>
-            <a:pPr lvl="4"/>
-            <a:r>
-              <a:rPr lang="en-US" smtClean="0"/>
-              <a:t>Fifth level</a:t>
-            </a:r>
-            <a:endParaRPr lang="en-US"/>
-          </a:p>
-        </p:txBody>
-      </p:sp>
-      <p:sp>
-        <p:nvSpPr>
-          <p:cNvPr id="4" name="Date Placeholder 3"/>
+          <p:cNvPr id="14" name="Date Placeholder 13"/>
           <p:cNvSpPr>
             <a:spLocks noGrp="1"/>
           </p:cNvSpPr>
@@ -819,31 +865,12 @@
       </p:sp>
       <p:sp>
         <p:nvSpPr>
-          <p:cNvPr id="5" name="Footer Placeholder 4"/>
-          <p:cNvSpPr>
-            <a:spLocks noGrp="1"/>
-          </p:cNvSpPr>
-          <p:nvPr>
-            <p:ph type="ftr" sz="quarter" idx="11"/>
-          </p:nvPr>
-        </p:nvSpPr>
-        <p:spPr/>
-        <p:txBody>
-          <a:bodyPr/>
-          <a:lstStyle/>
-          <a:p>
-            <a:endParaRPr lang="en-US"/>
-          </a:p>
-        </p:txBody>
-      </p:sp>
-      <p:sp>
-        <p:nvSpPr>
-          <p:cNvPr id="6" name="Slide Number Placeholder 5"/>
-          <p:cNvSpPr>
-            <a:spLocks noGrp="1"/>
-          </p:cNvSpPr>
-          <p:nvPr>
-            <p:ph type="sldNum" sz="quarter" idx="12"/>
+          <p:cNvPr id="15" name="Slide Number Placeholder 14"/>
+          <p:cNvSpPr>
+            <a:spLocks noGrp="1"/>
+          </p:cNvSpPr>
+          <p:nvPr>
+            <p:ph type="sldNum" sz="quarter" idx="11"/>
           </p:nvPr>
         </p:nvSpPr>
         <p:spPr/>
@@ -859,12 +886,26 @@
           </a:p>
         </p:txBody>
       </p:sp>
+      <p:sp>
+        <p:nvSpPr>
+          <p:cNvPr id="16" name="Footer Placeholder 15"/>
+          <p:cNvSpPr>
+            <a:spLocks noGrp="1"/>
+          </p:cNvSpPr>
+          <p:nvPr>
+            <p:ph type="ftr" sz="quarter" idx="12"/>
+          </p:nvPr>
+        </p:nvSpPr>
+        <p:spPr/>
+        <p:txBody>
+          <a:bodyPr/>
+          <a:lstStyle/>
+          <a:p>
+            <a:endParaRPr lang="en-US"/>
+          </a:p>
+        </p:txBody>
+      </p:sp>
     </p:spTree>
-    <p:extLst>
-      <p:ext uri="{BB962C8B-B14F-4D97-AF65-F5344CB8AC3E}">
-        <p14:creationId xmlns:p14="http://schemas.microsoft.com/office/powerpoint/2010/main" val="2495150592"/>
-      </p:ext>
-    </p:extLst>
   </p:cSld>
   <p:clrMapOvr>
     <a:masterClrMapping/>
@@ -891,62 +932,78 @@
       </p:grpSpPr>
       <p:sp>
         <p:nvSpPr>
-          <p:cNvPr id="2" name="Title 1"/>
-          <p:cNvSpPr>
-            <a:spLocks noGrp="1"/>
-          </p:cNvSpPr>
-          <p:nvPr>
-            <p:ph type="title"/>
-          </p:nvPr>
+          <p:cNvPr id="8" name="TextBox 7"/>
+          <p:cNvSpPr txBox="1"/>
+          <p:nvPr/>
         </p:nvSpPr>
         <p:spPr>
           <a:xfrm>
-            <a:off x="722313" y="4406900"/>
-            <a:ext cx="7772400" cy="1362075"/>
+            <a:off x="4267200" y="4074497"/>
+            <a:ext cx="457200" cy="1015663"/>
+          </a:xfrm>
+          <a:prstGeom prst="rect">
+            <a:avLst/>
+          </a:prstGeom>
+          <a:noFill/>
+        </p:spPr>
+        <p:txBody>
+          <a:bodyPr wrap="square" lIns="0" tIns="0" rIns="0" bIns="0" rtlCol="0" anchor="t" anchorCtr="0">
+            <a:spAutoFit/>
+          </a:bodyPr>
+          <a:lstStyle/>
+          <a:p>
+            <a:r>
+              <a:rPr lang="en-US" sz="6600" dirty="0" smtClean="0">
+                <a:effectLst>
+                  <a:outerShdw blurRad="38100" dist="38100" dir="2700000" algn="tl">
+                    <a:srgbClr val="000000">
+                      <a:alpha val="43137"/>
+                    </a:srgbClr>
+                  </a:outerShdw>
+                </a:effectLst>
+                <a:latin typeface="+mn-lt"/>
+              </a:rPr>
+              <a:t>{</a:t>
+            </a:r>
+            <a:endParaRPr lang="en-US" sz="6600" dirty="0">
+              <a:effectLst>
+                <a:outerShdw blurRad="38100" dist="38100" dir="2700000" algn="tl">
+                  <a:srgbClr val="000000">
+                    <a:alpha val="43137"/>
+                  </a:srgbClr>
+                </a:outerShdw>
+              </a:effectLst>
+              <a:latin typeface="+mn-lt"/>
+            </a:endParaRPr>
+          </a:p>
+        </p:txBody>
+      </p:sp>
+      <p:sp>
+        <p:nvSpPr>
+          <p:cNvPr id="3" name="Text Placeholder 2"/>
+          <p:cNvSpPr>
+            <a:spLocks noGrp="1"/>
+          </p:cNvSpPr>
+          <p:nvPr>
+            <p:ph type="body" idx="1"/>
+          </p:nvPr>
+        </p:nvSpPr>
+        <p:spPr>
+          <a:xfrm>
+            <a:off x="4572000" y="4267368"/>
+            <a:ext cx="3733800" cy="731520"/>
           </a:xfrm>
         </p:spPr>
         <p:txBody>
-          <a:bodyPr anchor="t"/>
-          <a:lstStyle>
-            <a:lvl1pPr algn="l">
-              <a:defRPr sz="4000" b="1" cap="all"/>
-            </a:lvl1pPr>
-          </a:lstStyle>
-          <a:p>
-            <a:r>
-              <a:rPr lang="en-US" smtClean="0"/>
-              <a:t>Click to edit Master title style</a:t>
-            </a:r>
-            <a:endParaRPr lang="en-US"/>
-          </a:p>
-        </p:txBody>
-      </p:sp>
-      <p:sp>
-        <p:nvSpPr>
-          <p:cNvPr id="3" name="Text Placeholder 2"/>
-          <p:cNvSpPr>
-            <a:spLocks noGrp="1"/>
-          </p:cNvSpPr>
-          <p:nvPr>
-            <p:ph type="body" idx="1"/>
-          </p:nvPr>
-        </p:nvSpPr>
-        <p:spPr>
-          <a:xfrm>
-            <a:off x="722313" y="2906713"/>
-            <a:ext cx="7772400" cy="1500187"/>
-          </a:xfrm>
-        </p:spPr>
-        <p:txBody>
-          <a:bodyPr anchor="b"/>
+          <a:bodyPr anchor="ctr">
+            <a:normAutofit/>
+          </a:bodyPr>
           <a:lstStyle>
             <a:lvl1pPr marL="0" indent="0">
               <a:buNone/>
-              <a:defRPr sz="2000">
+              <a:defRPr sz="1800">
                 <a:solidFill>
-                  <a:schemeClr val="tx1">
-                    <a:tint val="75000"/>
-                  </a:schemeClr>
+                  <a:schemeClr val="tx1"/>
                 </a:solidFill>
               </a:defRPr>
             </a:lvl1pPr>
@@ -1042,7 +1099,7 @@
       </p:sp>
       <p:sp>
         <p:nvSpPr>
-          <p:cNvPr id="4" name="Date Placeholder 3"/>
+          <p:cNvPr id="12" name="Date Placeholder 11"/>
           <p:cNvSpPr>
             <a:spLocks noGrp="1"/>
           </p:cNvSpPr>
@@ -1065,31 +1122,12 @@
       </p:sp>
       <p:sp>
         <p:nvSpPr>
-          <p:cNvPr id="5" name="Footer Placeholder 4"/>
-          <p:cNvSpPr>
-            <a:spLocks noGrp="1"/>
-          </p:cNvSpPr>
-          <p:nvPr>
-            <p:ph type="ftr" sz="quarter" idx="11"/>
-          </p:nvPr>
-        </p:nvSpPr>
-        <p:spPr/>
-        <p:txBody>
-          <a:bodyPr/>
-          <a:lstStyle/>
-          <a:p>
-            <a:endParaRPr lang="en-US"/>
-          </a:p>
-        </p:txBody>
-      </p:sp>
-      <p:sp>
-        <p:nvSpPr>
-          <p:cNvPr id="6" name="Slide Number Placeholder 5"/>
-          <p:cNvSpPr>
-            <a:spLocks noGrp="1"/>
-          </p:cNvSpPr>
-          <p:nvPr>
-            <p:ph type="sldNum" sz="quarter" idx="12"/>
+          <p:cNvPr id="13" name="Slide Number Placeholder 12"/>
+          <p:cNvSpPr>
+            <a:spLocks noGrp="1"/>
+          </p:cNvSpPr>
+          <p:nvPr>
+            <p:ph type="sldNum" sz="quarter" idx="11"/>
           </p:nvPr>
         </p:nvSpPr>
         <p:spPr/>
@@ -1105,12 +1143,76 @@
           </a:p>
         </p:txBody>
       </p:sp>
+      <p:sp>
+        <p:nvSpPr>
+          <p:cNvPr id="14" name="Footer Placeholder 13"/>
+          <p:cNvSpPr>
+            <a:spLocks noGrp="1"/>
+          </p:cNvSpPr>
+          <p:nvPr>
+            <p:ph type="ftr" sz="quarter" idx="12"/>
+          </p:nvPr>
+        </p:nvSpPr>
+        <p:spPr/>
+        <p:txBody>
+          <a:bodyPr/>
+          <a:lstStyle/>
+          <a:p>
+            <a:endParaRPr lang="en-US"/>
+          </a:p>
+        </p:txBody>
+      </p:sp>
+      <p:sp>
+        <p:nvSpPr>
+          <p:cNvPr id="4" name="Title 3"/>
+          <p:cNvSpPr>
+            <a:spLocks noGrp="1"/>
+          </p:cNvSpPr>
+          <p:nvPr>
+            <p:ph type="title"/>
+          </p:nvPr>
+        </p:nvSpPr>
+        <p:spPr>
+          <a:xfrm>
+            <a:off x="2286000" y="1905000"/>
+            <a:ext cx="6035040" cy="2350008"/>
+          </a:xfrm>
+        </p:spPr>
+        <p:txBody>
+          <a:bodyPr/>
+          <a:lstStyle>
+            <a:lvl1pPr marL="0" algn="l" defTabSz="914400" rtl="0" eaLnBrk="1" latinLnBrk="0" hangingPunct="1">
+              <a:spcBef>
+                <a:spcPct val="0"/>
+              </a:spcBef>
+              <a:buNone/>
+              <a:defRPr lang="en-US" sz="5400" b="0" kern="1200" cap="none" dirty="0" smtClean="0">
+                <a:solidFill>
+                  <a:schemeClr val="tx1"/>
+                </a:solidFill>
+                <a:effectLst>
+                  <a:outerShdw blurRad="38100" dist="38100" dir="2700000" algn="tl">
+                    <a:srgbClr val="000000">
+                      <a:alpha val="43137"/>
+                    </a:srgbClr>
+                  </a:outerShdw>
+                </a:effectLst>
+                <a:latin typeface="+mj-lt"/>
+                <a:ea typeface="+mj-ea"/>
+                <a:cs typeface="+mj-cs"/>
+              </a:defRPr>
+            </a:lvl1pPr>
+          </a:lstStyle>
+          <a:p>
+            <a:r>
+              <a:rPr lang="en-US" smtClean="0"/>
+              <a:t>Click to edit Master title style</a:t>
+            </a:r>
+            <a:endParaRPr lang="en-US" dirty="0"/>
+          </a:p>
+        </p:txBody>
+      </p:sp>
     </p:spTree>
-    <p:extLst>
-      <p:ext uri="{BB962C8B-B14F-4D97-AF65-F5344CB8AC3E}">
-        <p14:creationId xmlns:p14="http://schemas.microsoft.com/office/powerpoint/2010/main" val="3287719376"/>
-      </p:ext>
-    </p:extLst>
   </p:cSld>
   <p:clrMapOvr>
     <a:masterClrMapping/>
@@ -1137,7 +1239,72 @@
       </p:grpSpPr>
       <p:sp>
         <p:nvSpPr>
-          <p:cNvPr id="2" name="Title 1"/>
+          <p:cNvPr id="8" name="Date Placeholder 7"/>
+          <p:cNvSpPr>
+            <a:spLocks noGrp="1"/>
+          </p:cNvSpPr>
+          <p:nvPr>
+            <p:ph type="dt" sz="half" idx="10"/>
+          </p:nvPr>
+        </p:nvSpPr>
+        <p:spPr/>
+        <p:txBody>
+          <a:bodyPr/>
+          <a:lstStyle/>
+          <a:p>
+            <a:fld id="{84B8C708-5D84-4627-85B8-91F380789222}" type="datetimeFigureOut">
+              <a:rPr lang="en-US" smtClean="0"/>
+              <a:t>5/5/2013</a:t>
+            </a:fld>
+            <a:endParaRPr lang="en-US"/>
+          </a:p>
+        </p:txBody>
+      </p:sp>
+      <p:sp>
+        <p:nvSpPr>
+          <p:cNvPr id="9" name="Slide Number Placeholder 8"/>
+          <p:cNvSpPr>
+            <a:spLocks noGrp="1"/>
+          </p:cNvSpPr>
+          <p:nvPr>
+            <p:ph type="sldNum" sz="quarter" idx="11"/>
+          </p:nvPr>
+        </p:nvSpPr>
+        <p:spPr/>
+        <p:txBody>
+          <a:bodyPr/>
+          <a:lstStyle/>
+          <a:p>
+            <a:fld id="{C0CA264C-9051-4271-BC27-6C1BF0D637E3}" type="slidenum">
+              <a:rPr lang="en-US" smtClean="0"/>
+              <a:t>‹#›</a:t>
+            </a:fld>
+            <a:endParaRPr lang="en-US"/>
+          </a:p>
+        </p:txBody>
+      </p:sp>
+      <p:sp>
+        <p:nvSpPr>
+          <p:cNvPr id="10" name="Footer Placeholder 9"/>
+          <p:cNvSpPr>
+            <a:spLocks noGrp="1"/>
+          </p:cNvSpPr>
+          <p:nvPr>
+            <p:ph type="ftr" sz="quarter" idx="12"/>
+          </p:nvPr>
+        </p:nvSpPr>
+        <p:spPr/>
+        <p:txBody>
+          <a:bodyPr/>
+          <a:lstStyle/>
+          <a:p>
+            <a:endParaRPr lang="en-US"/>
+          </a:p>
+        </p:txBody>
+      </p:sp>
+      <p:sp>
+        <p:nvSpPr>
+          <p:cNvPr id="11" name="Title 10"/>
           <p:cNvSpPr>
             <a:spLocks noGrp="1"/>
           </p:cNvSpPr>
@@ -1154,57 +1321,29 @@
               <a:rPr lang="en-US" smtClean="0"/>
               <a:t>Click to edit Master title style</a:t>
             </a:r>
-            <a:endParaRPr lang="en-US"/>
-          </a:p>
-        </p:txBody>
-      </p:sp>
-      <p:sp>
-        <p:nvSpPr>
-          <p:cNvPr id="3" name="Content Placeholder 2"/>
-          <p:cNvSpPr>
-            <a:spLocks noGrp="1"/>
-          </p:cNvSpPr>
-          <p:nvPr>
-            <p:ph sz="half" idx="1"/>
+            <a:endParaRPr lang="en-US" dirty="0"/>
+          </a:p>
+        </p:txBody>
+      </p:sp>
+      <p:sp>
+        <p:nvSpPr>
+          <p:cNvPr id="5" name="Content Placeholder 4"/>
+          <p:cNvSpPr>
+            <a:spLocks noGrp="1"/>
+          </p:cNvSpPr>
+          <p:nvPr>
+            <p:ph sz="quarter" idx="13"/>
           </p:nvPr>
         </p:nvSpPr>
         <p:spPr>
           <a:xfrm>
-            <a:off x="457200" y="1600200"/>
-            <a:ext cx="4038600" cy="4525963"/>
+            <a:off x="1344168" y="658368"/>
+            <a:ext cx="3273552" cy="3429000"/>
           </a:xfrm>
         </p:spPr>
         <p:txBody>
           <a:bodyPr/>
-          <a:lstStyle>
-            <a:lvl1pPr>
-              <a:defRPr sz="2800"/>
-            </a:lvl1pPr>
-            <a:lvl2pPr>
-              <a:defRPr sz="2400"/>
-            </a:lvl2pPr>
-            <a:lvl3pPr>
-              <a:defRPr sz="2000"/>
-            </a:lvl3pPr>
-            <a:lvl4pPr>
-              <a:defRPr sz="1800"/>
-            </a:lvl4pPr>
-            <a:lvl5pPr>
-              <a:defRPr sz="1800"/>
-            </a:lvl5pPr>
-            <a:lvl6pPr>
-              <a:defRPr sz="1800"/>
-            </a:lvl6pPr>
-            <a:lvl7pPr>
-              <a:defRPr sz="1800"/>
-            </a:lvl7pPr>
-            <a:lvl8pPr>
-              <a:defRPr sz="1800"/>
-            </a:lvl8pPr>
-            <a:lvl9pPr>
-              <a:defRPr sz="1800"/>
-            </a:lvl9pPr>
-          </a:lstStyle>
+          <a:lstStyle/>
           <a:p>
             <a:pPr lvl="0"/>
             <a:r>
@@ -1239,57 +1378,29 @@
               <a:rPr lang="en-US" smtClean="0"/>
               <a:t>Fifth level</a:t>
             </a:r>
-            <a:endParaRPr lang="en-US"/>
-          </a:p>
-        </p:txBody>
-      </p:sp>
-      <p:sp>
-        <p:nvSpPr>
-          <p:cNvPr id="4" name="Content Placeholder 3"/>
-          <p:cNvSpPr>
-            <a:spLocks noGrp="1"/>
-          </p:cNvSpPr>
-          <p:nvPr>
-            <p:ph sz="half" idx="2"/>
+            <a:endParaRPr lang="en-US" dirty="0"/>
+          </a:p>
+        </p:txBody>
+      </p:sp>
+      <p:sp>
+        <p:nvSpPr>
+          <p:cNvPr id="7" name="Content Placeholder 6"/>
+          <p:cNvSpPr>
+            <a:spLocks noGrp="1"/>
+          </p:cNvSpPr>
+          <p:nvPr>
+            <p:ph sz="quarter" idx="14"/>
           </p:nvPr>
         </p:nvSpPr>
         <p:spPr>
           <a:xfrm>
-            <a:off x="4648200" y="1600200"/>
-            <a:ext cx="4038600" cy="4525963"/>
+            <a:off x="5029200" y="658368"/>
+            <a:ext cx="3273552" cy="3432175"/>
           </a:xfrm>
         </p:spPr>
         <p:txBody>
           <a:bodyPr/>
-          <a:lstStyle>
-            <a:lvl1pPr>
-              <a:defRPr sz="2800"/>
-            </a:lvl1pPr>
-            <a:lvl2pPr>
-              <a:defRPr sz="2400"/>
-            </a:lvl2pPr>
-            <a:lvl3pPr>
-              <a:defRPr sz="2000"/>
-            </a:lvl3pPr>
-            <a:lvl4pPr>
-              <a:defRPr sz="1800"/>
-            </a:lvl4pPr>
-            <a:lvl5pPr>
-              <a:defRPr sz="1800"/>
-            </a:lvl5pPr>
-            <a:lvl6pPr>
-              <a:defRPr sz="1800"/>
-            </a:lvl6pPr>
-            <a:lvl7pPr>
-              <a:defRPr sz="1800"/>
-            </a:lvl7pPr>
-            <a:lvl8pPr>
-              <a:defRPr sz="1800"/>
-            </a:lvl8pPr>
-            <a:lvl9pPr>
-              <a:defRPr sz="1800"/>
-            </a:lvl9pPr>
-          </a:lstStyle>
+          <a:lstStyle/>
           <a:p>
             <a:pPr lvl="0"/>
             <a:r>
@@ -1328,77 +1439,7 @@
           </a:p>
         </p:txBody>
       </p:sp>
-      <p:sp>
-        <p:nvSpPr>
-          <p:cNvPr id="5" name="Date Placeholder 4"/>
-          <p:cNvSpPr>
-            <a:spLocks noGrp="1"/>
-          </p:cNvSpPr>
-          <p:nvPr>
-            <p:ph type="dt" sz="half" idx="10"/>
-          </p:nvPr>
-        </p:nvSpPr>
-        <p:spPr/>
-        <p:txBody>
-          <a:bodyPr/>
-          <a:lstStyle/>
-          <a:p>
-            <a:fld id="{84B8C708-5D84-4627-85B8-91F380789222}" type="datetimeFigureOut">
-              <a:rPr lang="en-US" smtClean="0"/>
-              <a:t>5/5/2013</a:t>
-            </a:fld>
-            <a:endParaRPr lang="en-US"/>
-          </a:p>
-        </p:txBody>
-      </p:sp>
-      <p:sp>
-        <p:nvSpPr>
-          <p:cNvPr id="6" name="Footer Placeholder 5"/>
-          <p:cNvSpPr>
-            <a:spLocks noGrp="1"/>
-          </p:cNvSpPr>
-          <p:nvPr>
-            <p:ph type="ftr" sz="quarter" idx="11"/>
-          </p:nvPr>
-        </p:nvSpPr>
-        <p:spPr/>
-        <p:txBody>
-          <a:bodyPr/>
-          <a:lstStyle/>
-          <a:p>
-            <a:endParaRPr lang="en-US"/>
-          </a:p>
-        </p:txBody>
-      </p:sp>
-      <p:sp>
-        <p:nvSpPr>
-          <p:cNvPr id="7" name="Slide Number Placeholder 6"/>
-          <p:cNvSpPr>
-            <a:spLocks noGrp="1"/>
-          </p:cNvSpPr>
-          <p:nvPr>
-            <p:ph type="sldNum" sz="quarter" idx="12"/>
-          </p:nvPr>
-        </p:nvSpPr>
-        <p:spPr/>
-        <p:txBody>
-          <a:bodyPr/>
-          <a:lstStyle/>
-          <a:p>
-            <a:fld id="{C0CA264C-9051-4271-BC27-6C1BF0D637E3}" type="slidenum">
-              <a:rPr lang="en-US" smtClean="0"/>
-              <a:t>‹#›</a:t>
-            </a:fld>
-            <a:endParaRPr lang="en-US"/>
-          </a:p>
-        </p:txBody>
-      </p:sp>
     </p:spTree>
-    <p:extLst>
-      <p:ext uri="{BB962C8B-B14F-4D97-AF65-F5344CB8AC3E}">
-        <p14:creationId xmlns:p14="http://schemas.microsoft.com/office/powerpoint/2010/main" val="1984769458"/>
-      </p:ext>
-    </p:extLst>
   </p:cSld>
   <p:clrMapOvr>
     <a:masterClrMapping/>
@@ -1425,33 +1466,6 @@
       </p:grpSpPr>
       <p:sp>
         <p:nvSpPr>
-          <p:cNvPr id="2" name="Title 1"/>
-          <p:cNvSpPr>
-            <a:spLocks noGrp="1"/>
-          </p:cNvSpPr>
-          <p:nvPr>
-            <p:ph type="title"/>
-          </p:nvPr>
-        </p:nvSpPr>
-        <p:spPr/>
-        <p:txBody>
-          <a:bodyPr/>
-          <a:lstStyle>
-            <a:lvl1pPr>
-              <a:defRPr/>
-            </a:lvl1pPr>
-          </a:lstStyle>
-          <a:p>
-            <a:r>
-              <a:rPr lang="en-US" smtClean="0"/>
-              <a:t>Click to edit Master title style</a:t>
-            </a:r>
-            <a:endParaRPr lang="en-US"/>
-          </a:p>
-        </p:txBody>
-      </p:sp>
-      <p:sp>
-        <p:nvSpPr>
           <p:cNvPr id="3" name="Text Placeholder 2"/>
           <p:cNvSpPr>
             <a:spLocks noGrp="1"/>
@@ -1462,16 +1476,18 @@
         </p:nvSpPr>
         <p:spPr>
           <a:xfrm>
-            <a:off x="457200" y="1535113"/>
-            <a:ext cx="4040188" cy="639762"/>
+            <a:off x="1341120" y="661976"/>
+            <a:ext cx="3273552" cy="639762"/>
           </a:xfrm>
         </p:spPr>
         <p:txBody>
-          <a:bodyPr anchor="b"/>
+          <a:bodyPr anchor="ctr">
+            <a:noAutofit/>
+          </a:bodyPr>
           <a:lstStyle>
             <a:lvl1pPr marL="0" indent="0">
               <a:buNone/>
-              <a:defRPr sz="2400" b="1"/>
+              <a:defRPr sz="2200" b="0"/>
             </a:lvl1pPr>
             <a:lvl2pPr marL="457200" indent="0">
               <a:buNone/>
@@ -1527,12 +1543,12 @@
         </p:nvSpPr>
         <p:spPr>
           <a:xfrm>
-            <a:off x="457200" y="2174875"/>
-            <a:ext cx="4040188" cy="3951288"/>
+            <a:off x="1344168" y="1371600"/>
+            <a:ext cx="3276600" cy="2743200"/>
           </a:xfrm>
         </p:spPr>
         <p:txBody>
-          <a:bodyPr/>
+          <a:bodyPr anchor="t"/>
           <a:lstStyle>
             <a:lvl1pPr>
               <a:defRPr sz="2400"/>
@@ -1596,7 +1612,7 @@
               <a:rPr lang="en-US" smtClean="0"/>
               <a:t>Fifth level</a:t>
             </a:r>
-            <a:endParaRPr lang="en-US"/>
+            <a:endParaRPr lang="en-US" dirty="0"/>
           </a:p>
         </p:txBody>
       </p:sp>
@@ -1612,16 +1628,18 @@
         </p:nvSpPr>
         <p:spPr>
           <a:xfrm>
-            <a:off x="4645025" y="1535113"/>
-            <a:ext cx="4041775" cy="639762"/>
+            <a:off x="5029200" y="661976"/>
+            <a:ext cx="3273552" cy="639762"/>
           </a:xfrm>
         </p:spPr>
         <p:txBody>
-          <a:bodyPr anchor="b"/>
+          <a:bodyPr anchor="ctr">
+            <a:noAutofit/>
+          </a:bodyPr>
           <a:lstStyle>
             <a:lvl1pPr marL="0" indent="0">
               <a:buNone/>
-              <a:defRPr sz="2400" b="1"/>
+              <a:defRPr sz="2200" b="0"/>
             </a:lvl1pPr>
             <a:lvl2pPr marL="457200" indent="0">
               <a:buNone/>
@@ -1677,12 +1695,12 @@
         </p:nvSpPr>
         <p:spPr>
           <a:xfrm>
-            <a:off x="4645025" y="2174875"/>
-            <a:ext cx="4041775" cy="3951288"/>
+            <a:off x="5029200" y="1371600"/>
+            <a:ext cx="3273552" cy="2743200"/>
           </a:xfrm>
         </p:spPr>
         <p:txBody>
-          <a:bodyPr/>
+          <a:bodyPr anchor="t"/>
           <a:lstStyle>
             <a:lvl1pPr>
               <a:defRPr sz="2400"/>
@@ -1746,13 +1764,132 @@
               <a:rPr lang="en-US" smtClean="0"/>
               <a:t>Fifth level</a:t>
             </a:r>
-            <a:endParaRPr lang="en-US"/>
-          </a:p>
-        </p:txBody>
-      </p:sp>
-      <p:sp>
-        <p:nvSpPr>
-          <p:cNvPr id="7" name="Date Placeholder 6"/>
+            <a:endParaRPr lang="en-US" dirty="0"/>
+          </a:p>
+        </p:txBody>
+      </p:sp>
+      <p:sp>
+        <p:nvSpPr>
+          <p:cNvPr id="13" name="TextBox 12"/>
+          <p:cNvSpPr txBox="1"/>
+          <p:nvPr/>
+        </p:nvSpPr>
+        <p:spPr>
+          <a:xfrm>
+            <a:off x="1056640" y="520192"/>
+            <a:ext cx="457200" cy="923330"/>
+          </a:xfrm>
+          <a:prstGeom prst="rect">
+            <a:avLst/>
+          </a:prstGeom>
+          <a:noFill/>
+        </p:spPr>
+        <p:txBody>
+          <a:bodyPr wrap="square" lIns="0" tIns="0" rIns="0" bIns="0" rtlCol="0" anchor="t" anchorCtr="0">
+            <a:spAutoFit/>
+          </a:bodyPr>
+          <a:lstStyle/>
+          <a:p>
+            <a:r>
+              <a:rPr lang="en-US" sz="6000" dirty="0" smtClean="0">
+                <a:effectLst>
+                  <a:outerShdw blurRad="38100" dist="38100" dir="2700000" algn="tl">
+                    <a:srgbClr val="000000">
+                      <a:alpha val="43137"/>
+                    </a:srgbClr>
+                  </a:outerShdw>
+                </a:effectLst>
+                <a:latin typeface="+mn-lt"/>
+              </a:rPr>
+              <a:t>{</a:t>
+            </a:r>
+            <a:endParaRPr lang="en-US" sz="6000" dirty="0">
+              <a:effectLst>
+                <a:outerShdw blurRad="38100" dist="38100" dir="2700000" algn="tl">
+                  <a:srgbClr val="000000">
+                    <a:alpha val="43137"/>
+                  </a:srgbClr>
+                </a:outerShdw>
+              </a:effectLst>
+              <a:latin typeface="+mn-lt"/>
+            </a:endParaRPr>
+          </a:p>
+        </p:txBody>
+      </p:sp>
+      <p:sp>
+        <p:nvSpPr>
+          <p:cNvPr id="18" name="TextBox 17"/>
+          <p:cNvSpPr txBox="1"/>
+          <p:nvPr/>
+        </p:nvSpPr>
+        <p:spPr>
+          <a:xfrm>
+            <a:off x="4780280" y="520192"/>
+            <a:ext cx="457200" cy="923330"/>
+          </a:xfrm>
+          <a:prstGeom prst="rect">
+            <a:avLst/>
+          </a:prstGeom>
+          <a:noFill/>
+        </p:spPr>
+        <p:txBody>
+          <a:bodyPr wrap="square" lIns="0" tIns="0" rIns="0" bIns="0" rtlCol="0" anchor="t" anchorCtr="0">
+            <a:spAutoFit/>
+          </a:bodyPr>
+          <a:lstStyle/>
+          <a:p>
+            <a:r>
+              <a:rPr lang="en-US" sz="6000" dirty="0" smtClean="0">
+                <a:effectLst>
+                  <a:outerShdw blurRad="38100" dist="38100" dir="2700000" algn="tl">
+                    <a:srgbClr val="000000">
+                      <a:alpha val="43137"/>
+                    </a:srgbClr>
+                  </a:outerShdw>
+                </a:effectLst>
+                <a:latin typeface="+mn-lt"/>
+              </a:rPr>
+              <a:t>{</a:t>
+            </a:r>
+            <a:endParaRPr lang="en-US" sz="6000" dirty="0">
+              <a:effectLst>
+                <a:outerShdw blurRad="38100" dist="38100" dir="2700000" algn="tl">
+                  <a:srgbClr val="000000">
+                    <a:alpha val="43137"/>
+                  </a:srgbClr>
+                </a:outerShdw>
+              </a:effectLst>
+              <a:latin typeface="+mn-lt"/>
+            </a:endParaRPr>
+          </a:p>
+        </p:txBody>
+      </p:sp>
+      <p:sp>
+        <p:nvSpPr>
+          <p:cNvPr id="12" name="Title 11"/>
+          <p:cNvSpPr>
+            <a:spLocks noGrp="1"/>
+          </p:cNvSpPr>
+          <p:nvPr>
+            <p:ph type="title"/>
+          </p:nvPr>
+        </p:nvSpPr>
+        <p:spPr/>
+        <p:txBody>
+          <a:bodyPr/>
+          <a:lstStyle/>
+          <a:p>
+            <a:r>
+              <a:rPr lang="en-US" smtClean="0"/>
+              <a:t>Click to edit Master title style</a:t>
+            </a:r>
+            <a:endParaRPr lang="en-US" dirty="0"/>
+          </a:p>
+        </p:txBody>
+      </p:sp>
+      <p:sp>
+        <p:nvSpPr>
+          <p:cNvPr id="14" name="Date Placeholder 13"/>
           <p:cNvSpPr>
             <a:spLocks noGrp="1"/>
           </p:cNvSpPr>
@@ -1775,31 +1912,12 @@
       </p:sp>
       <p:sp>
         <p:nvSpPr>
-          <p:cNvPr id="8" name="Footer Placeholder 7"/>
-          <p:cNvSpPr>
-            <a:spLocks noGrp="1"/>
-          </p:cNvSpPr>
-          <p:nvPr>
-            <p:ph type="ftr" sz="quarter" idx="11"/>
-          </p:nvPr>
-        </p:nvSpPr>
-        <p:spPr/>
-        <p:txBody>
-          <a:bodyPr/>
-          <a:lstStyle/>
-          <a:p>
-            <a:endParaRPr lang="en-US"/>
-          </a:p>
-        </p:txBody>
-      </p:sp>
-      <p:sp>
-        <p:nvSpPr>
-          <p:cNvPr id="9" name="Slide Number Placeholder 8"/>
-          <p:cNvSpPr>
-            <a:spLocks noGrp="1"/>
-          </p:cNvSpPr>
-          <p:nvPr>
-            <p:ph type="sldNum" sz="quarter" idx="12"/>
+          <p:cNvPr id="15" name="Slide Number Placeholder 14"/>
+          <p:cNvSpPr>
+            <a:spLocks noGrp="1"/>
+          </p:cNvSpPr>
+          <p:nvPr>
+            <p:ph type="sldNum" sz="quarter" idx="11"/>
           </p:nvPr>
         </p:nvSpPr>
         <p:spPr/>
@@ -1815,12 +1933,26 @@
           </a:p>
         </p:txBody>
       </p:sp>
+      <p:sp>
+        <p:nvSpPr>
+          <p:cNvPr id="16" name="Footer Placeholder 15"/>
+          <p:cNvSpPr>
+            <a:spLocks noGrp="1"/>
+          </p:cNvSpPr>
+          <p:nvPr>
+            <p:ph type="ftr" sz="quarter" idx="12"/>
+          </p:nvPr>
+        </p:nvSpPr>
+        <p:spPr/>
+        <p:txBody>
+          <a:bodyPr/>
+          <a:lstStyle/>
+          <a:p>
+            <a:endParaRPr lang="en-US"/>
+          </a:p>
+        </p:txBody>
+      </p:sp>
     </p:spTree>
-    <p:extLst>
-      <p:ext uri="{BB962C8B-B14F-4D97-AF65-F5344CB8AC3E}">
-        <p14:creationId xmlns:p14="http://schemas.microsoft.com/office/powerpoint/2010/main" val="2246969231"/>
-      </p:ext>
-    </p:extLst>
   </p:cSld>
   <p:clrMapOvr>
     <a:masterClrMapping/>
@@ -1847,7 +1979,7 @@
       </p:grpSpPr>
       <p:sp>
         <p:nvSpPr>
-          <p:cNvPr id="2" name="Title 1"/>
+          <p:cNvPr id="6" name="Title 5"/>
           <p:cNvSpPr>
             <a:spLocks noGrp="1"/>
           </p:cNvSpPr>
@@ -1870,7 +2002,7 @@
       </p:sp>
       <p:sp>
         <p:nvSpPr>
-          <p:cNvPr id="3" name="Date Placeholder 2"/>
+          <p:cNvPr id="7" name="Date Placeholder 6"/>
           <p:cNvSpPr>
             <a:spLocks noGrp="1"/>
           </p:cNvSpPr>
@@ -1893,31 +2025,12 @@
       </p:sp>
       <p:sp>
         <p:nvSpPr>
-          <p:cNvPr id="4" name="Footer Placeholder 3"/>
-          <p:cNvSpPr>
-            <a:spLocks noGrp="1"/>
-          </p:cNvSpPr>
-          <p:nvPr>
-            <p:ph type="ftr" sz="quarter" idx="11"/>
-          </p:nvPr>
-        </p:nvSpPr>
-        <p:spPr/>
-        <p:txBody>
-          <a:bodyPr/>
-          <a:lstStyle/>
-          <a:p>
-            <a:endParaRPr lang="en-US"/>
-          </a:p>
-        </p:txBody>
-      </p:sp>
-      <p:sp>
-        <p:nvSpPr>
-          <p:cNvPr id="5" name="Slide Number Placeholder 4"/>
-          <p:cNvSpPr>
-            <a:spLocks noGrp="1"/>
-          </p:cNvSpPr>
-          <p:nvPr>
-            <p:ph type="sldNum" sz="quarter" idx="12"/>
+          <p:cNvPr id="8" name="Slide Number Placeholder 7"/>
+          <p:cNvSpPr>
+            <a:spLocks noGrp="1"/>
+          </p:cNvSpPr>
+          <p:nvPr>
+            <p:ph type="sldNum" sz="quarter" idx="11"/>
           </p:nvPr>
         </p:nvSpPr>
         <p:spPr/>
@@ -1933,12 +2046,26 @@
           </a:p>
         </p:txBody>
       </p:sp>
+      <p:sp>
+        <p:nvSpPr>
+          <p:cNvPr id="9" name="Footer Placeholder 8"/>
+          <p:cNvSpPr>
+            <a:spLocks noGrp="1"/>
+          </p:cNvSpPr>
+          <p:nvPr>
+            <p:ph type="ftr" sz="quarter" idx="12"/>
+          </p:nvPr>
+        </p:nvSpPr>
+        <p:spPr/>
+        <p:txBody>
+          <a:bodyPr/>
+          <a:lstStyle/>
+          <a:p>
+            <a:endParaRPr lang="en-US"/>
+          </a:p>
+        </p:txBody>
+      </p:sp>
     </p:spTree>
-    <p:extLst>
-      <p:ext uri="{BB962C8B-B14F-4D97-AF65-F5344CB8AC3E}">
-        <p14:creationId xmlns:p14="http://schemas.microsoft.com/office/powerpoint/2010/main" val="4135869134"/>
-      </p:ext>
-    </p:extLst>
   </p:cSld>
   <p:clrMapOvr>
     <a:masterClrMapping/>
@@ -1965,7 +2092,7 @@
       </p:grpSpPr>
       <p:sp>
         <p:nvSpPr>
-          <p:cNvPr id="2" name="Date Placeholder 1"/>
+          <p:cNvPr id="5" name="Date Placeholder 4"/>
           <p:cNvSpPr>
             <a:spLocks noGrp="1"/>
           </p:cNvSpPr>
@@ -1988,31 +2115,12 @@
       </p:sp>
       <p:sp>
         <p:nvSpPr>
-          <p:cNvPr id="3" name="Footer Placeholder 2"/>
-          <p:cNvSpPr>
-            <a:spLocks noGrp="1"/>
-          </p:cNvSpPr>
-          <p:nvPr>
-            <p:ph type="ftr" sz="quarter" idx="11"/>
-          </p:nvPr>
-        </p:nvSpPr>
-        <p:spPr/>
-        <p:txBody>
-          <a:bodyPr/>
-          <a:lstStyle/>
-          <a:p>
-            <a:endParaRPr lang="en-US"/>
-          </a:p>
-        </p:txBody>
-      </p:sp>
-      <p:sp>
-        <p:nvSpPr>
-          <p:cNvPr id="4" name="Slide Number Placeholder 3"/>
-          <p:cNvSpPr>
-            <a:spLocks noGrp="1"/>
-          </p:cNvSpPr>
-          <p:nvPr>
-            <p:ph type="sldNum" sz="quarter" idx="12"/>
+          <p:cNvPr id="6" name="Slide Number Placeholder 5"/>
+          <p:cNvSpPr>
+            <a:spLocks noGrp="1"/>
+          </p:cNvSpPr>
+          <p:nvPr>
+            <p:ph type="sldNum" sz="quarter" idx="11"/>
           </p:nvPr>
         </p:nvSpPr>
         <p:spPr/>
@@ -2028,12 +2136,26 @@
           </a:p>
         </p:txBody>
       </p:sp>
+      <p:sp>
+        <p:nvSpPr>
+          <p:cNvPr id="7" name="Footer Placeholder 6"/>
+          <p:cNvSpPr>
+            <a:spLocks noGrp="1"/>
+          </p:cNvSpPr>
+          <p:nvPr>
+            <p:ph type="ftr" sz="quarter" idx="12"/>
+          </p:nvPr>
+        </p:nvSpPr>
+        <p:spPr/>
+        <p:txBody>
+          <a:bodyPr/>
+          <a:lstStyle/>
+          <a:p>
+            <a:endParaRPr lang="en-US"/>
+          </a:p>
+        </p:txBody>
+      </p:sp>
     </p:spTree>
-    <p:extLst>
-      <p:ext uri="{BB962C8B-B14F-4D97-AF65-F5344CB8AC3E}">
-        <p14:creationId xmlns:p14="http://schemas.microsoft.com/office/powerpoint/2010/main" val="1764438509"/>
-      </p:ext>
-    </p:extLst>
   </p:cSld>
   <p:clrMapOvr>
     <a:masterClrMapping/>
@@ -2060,69 +2182,85 @@
       </p:grpSpPr>
       <p:sp>
         <p:nvSpPr>
-          <p:cNvPr id="2" name="Title 1"/>
-          <p:cNvSpPr>
-            <a:spLocks noGrp="1"/>
-          </p:cNvSpPr>
-          <p:nvPr>
-            <p:ph type="title"/>
-          </p:nvPr>
+          <p:cNvPr id="9" name="TextBox 8"/>
+          <p:cNvSpPr txBox="1"/>
+          <p:nvPr/>
         </p:nvSpPr>
         <p:spPr>
           <a:xfrm>
-            <a:off x="457200" y="273050"/>
-            <a:ext cx="3008313" cy="1162050"/>
+            <a:off x="5328920" y="1774588"/>
+            <a:ext cx="457200" cy="1231106"/>
+          </a:xfrm>
+          <a:prstGeom prst="rect">
+            <a:avLst/>
+          </a:prstGeom>
+          <a:noFill/>
+        </p:spPr>
+        <p:txBody>
+          <a:bodyPr wrap="square" lIns="0" tIns="0" rIns="0" bIns="0" rtlCol="0" anchor="t" anchorCtr="0">
+            <a:spAutoFit/>
+          </a:bodyPr>
+          <a:lstStyle/>
+          <a:p>
+            <a:r>
+              <a:rPr lang="en-US" sz="8000" dirty="0" smtClean="0">
+                <a:effectLst>
+                  <a:outerShdw blurRad="38100" dist="38100" dir="2700000" algn="tl">
+                    <a:srgbClr val="000000">
+                      <a:alpha val="43137"/>
+                    </a:srgbClr>
+                  </a:outerShdw>
+                </a:effectLst>
+                <a:latin typeface="+mn-lt"/>
+              </a:rPr>
+              <a:t>{</a:t>
+            </a:r>
+            <a:endParaRPr lang="en-US" sz="8000" dirty="0">
+              <a:effectLst>
+                <a:outerShdw blurRad="38100" dist="38100" dir="2700000" algn="tl">
+                  <a:srgbClr val="000000">
+                    <a:alpha val="43137"/>
+                  </a:srgbClr>
+                </a:outerShdw>
+              </a:effectLst>
+              <a:latin typeface="+mn-lt"/>
+            </a:endParaRPr>
+          </a:p>
+        </p:txBody>
+      </p:sp>
+      <p:sp>
+        <p:nvSpPr>
+          <p:cNvPr id="3" name="Content Placeholder 2"/>
+          <p:cNvSpPr>
+            <a:spLocks noGrp="1"/>
+          </p:cNvSpPr>
+          <p:nvPr>
+            <p:ph idx="1"/>
+          </p:nvPr>
+        </p:nvSpPr>
+        <p:spPr>
+          <a:xfrm>
+            <a:off x="838200" y="685801"/>
+            <a:ext cx="4343400" cy="3429000"/>
           </a:xfrm>
         </p:spPr>
         <p:txBody>
-          <a:bodyPr anchor="b"/>
-          <a:lstStyle>
-            <a:lvl1pPr algn="l">
-              <a:defRPr sz="2000" b="1"/>
-            </a:lvl1pPr>
-          </a:lstStyle>
-          <a:p>
-            <a:r>
-              <a:rPr lang="en-US" smtClean="0"/>
-              <a:t>Click to edit Master title style</a:t>
-            </a:r>
-            <a:endParaRPr lang="en-US"/>
-          </a:p>
-        </p:txBody>
-      </p:sp>
-      <p:sp>
-        <p:nvSpPr>
-          <p:cNvPr id="3" name="Content Placeholder 2"/>
-          <p:cNvSpPr>
-            <a:spLocks noGrp="1"/>
-          </p:cNvSpPr>
-          <p:nvPr>
-            <p:ph idx="1"/>
-          </p:nvPr>
-        </p:nvSpPr>
-        <p:spPr>
-          <a:xfrm>
-            <a:off x="3575050" y="273050"/>
-            <a:ext cx="5111750" cy="5853113"/>
-          </a:xfrm>
-        </p:spPr>
-        <p:txBody>
-          <a:bodyPr/>
+          <a:bodyPr anchor="ctr"/>
           <a:lstStyle>
             <a:lvl1pPr>
-              <a:defRPr sz="3200"/>
+              <a:defRPr sz="2400"/>
             </a:lvl1pPr>
             <a:lvl2pPr>
-              <a:defRPr sz="2800"/>
+              <a:defRPr sz="2200"/>
             </a:lvl2pPr>
             <a:lvl3pPr>
-              <a:defRPr sz="2400"/>
+              <a:defRPr sz="2000"/>
             </a:lvl3pPr>
             <a:lvl4pPr>
-              <a:defRPr sz="2000"/>
+              <a:defRPr sz="1800"/>
             </a:lvl4pPr>
             <a:lvl5pPr>
-              <a:defRPr sz="2000"/>
+              <a:defRPr sz="1800"/>
             </a:lvl5pPr>
             <a:lvl6pPr>
               <a:defRPr sz="2000"/>
@@ -2171,7 +2309,7 @@
               <a:rPr lang="en-US" smtClean="0"/>
               <a:t>Fifth level</a:t>
             </a:r>
-            <a:endParaRPr lang="en-US"/>
+            <a:endParaRPr lang="en-US" dirty="0"/>
           </a:p>
         </p:txBody>
       </p:sp>
@@ -2187,16 +2325,18 @@
         </p:nvSpPr>
         <p:spPr>
           <a:xfrm>
-            <a:off x="457200" y="1435100"/>
-            <a:ext cx="3008313" cy="4691063"/>
+            <a:off x="5715000" y="685801"/>
+            <a:ext cx="2590800" cy="3429000"/>
           </a:xfrm>
         </p:spPr>
         <p:txBody>
-          <a:bodyPr/>
+          <a:bodyPr anchor="ctr">
+            <a:normAutofit/>
+          </a:bodyPr>
           <a:lstStyle>
             <a:lvl1pPr marL="0" indent="0">
               <a:buNone/>
-              <a:defRPr sz="1400"/>
+              <a:defRPr sz="1600"/>
             </a:lvl1pPr>
             <a:lvl2pPr marL="457200" indent="0">
               <a:buNone/>
@@ -2242,7 +2382,7 @@
       </p:sp>
       <p:sp>
         <p:nvSpPr>
-          <p:cNvPr id="5" name="Date Placeholder 4"/>
+          <p:cNvPr id="15" name="Date Placeholder 14"/>
           <p:cNvSpPr>
             <a:spLocks noGrp="1"/>
           </p:cNvSpPr>
@@ -2265,31 +2405,12 @@
       </p:sp>
       <p:sp>
         <p:nvSpPr>
-          <p:cNvPr id="6" name="Footer Placeholder 5"/>
-          <p:cNvSpPr>
-            <a:spLocks noGrp="1"/>
-          </p:cNvSpPr>
-          <p:nvPr>
-            <p:ph type="ftr" sz="quarter" idx="11"/>
-          </p:nvPr>
-        </p:nvSpPr>
-        <p:spPr/>
-        <p:txBody>
-          <a:bodyPr/>
-          <a:lstStyle/>
-          <a:p>
-            <a:endParaRPr lang="en-US"/>
-          </a:p>
-        </p:txBody>
-      </p:sp>
-      <p:sp>
-        <p:nvSpPr>
-          <p:cNvPr id="7" name="Slide Number Placeholder 6"/>
-          <p:cNvSpPr>
-            <a:spLocks noGrp="1"/>
-          </p:cNvSpPr>
-          <p:nvPr>
-            <p:ph type="sldNum" sz="quarter" idx="12"/>
+          <p:cNvPr id="16" name="Slide Number Placeholder 15"/>
+          <p:cNvSpPr>
+            <a:spLocks noGrp="1"/>
+          </p:cNvSpPr>
+          <p:nvPr>
+            <p:ph type="sldNum" sz="quarter" idx="11"/>
           </p:nvPr>
         </p:nvSpPr>
         <p:spPr/>
@@ -2305,12 +2426,49 @@
           </a:p>
         </p:txBody>
       </p:sp>
+      <p:sp>
+        <p:nvSpPr>
+          <p:cNvPr id="17" name="Footer Placeholder 16"/>
+          <p:cNvSpPr>
+            <a:spLocks noGrp="1"/>
+          </p:cNvSpPr>
+          <p:nvPr>
+            <p:ph type="ftr" sz="quarter" idx="12"/>
+          </p:nvPr>
+        </p:nvSpPr>
+        <p:spPr/>
+        <p:txBody>
+          <a:bodyPr/>
+          <a:lstStyle/>
+          <a:p>
+            <a:endParaRPr lang="en-US"/>
+          </a:p>
+        </p:txBody>
+      </p:sp>
+      <p:sp>
+        <p:nvSpPr>
+          <p:cNvPr id="18" name="Title 17"/>
+          <p:cNvSpPr>
+            <a:spLocks noGrp="1"/>
+          </p:cNvSpPr>
+          <p:nvPr>
+            <p:ph type="title"/>
+          </p:nvPr>
+        </p:nvSpPr>
+        <p:spPr/>
+        <p:txBody>
+          <a:bodyPr/>
+          <a:lstStyle/>
+          <a:p>
+            <a:r>
+              <a:rPr lang="en-US" smtClean="0"/>
+              <a:t>Click to edit Master title style</a:t>
+            </a:r>
+            <a:endParaRPr lang="en-US" dirty="0"/>
+          </a:p>
+        </p:txBody>
+      </p:sp>
     </p:spTree>
-    <p:extLst>
-      <p:ext uri="{BB962C8B-B14F-4D97-AF65-F5344CB8AC3E}">
-        <p14:creationId xmlns:p14="http://schemas.microsoft.com/office/powerpoint/2010/main" val="181487332"/>
-      </p:ext>
-    </p:extLst>
   </p:cSld>
   <p:clrMapOvr>
     <a:masterClrMapping/>
@@ -2337,51 +2495,26 @@
       </p:grpSpPr>
       <p:sp>
         <p:nvSpPr>
-          <p:cNvPr id="2" name="Title 1"/>
-          <p:cNvSpPr>
-            <a:spLocks noGrp="1"/>
-          </p:cNvSpPr>
-          <p:nvPr>
-            <p:ph type="title"/>
+          <p:cNvPr id="3" name="Picture Placeholder 2"/>
+          <p:cNvSpPr>
+            <a:spLocks noGrp="1"/>
+          </p:cNvSpPr>
+          <p:nvPr>
+            <p:ph type="pic" idx="1"/>
           </p:nvPr>
         </p:nvSpPr>
         <p:spPr>
           <a:xfrm>
-            <a:off x="1792288" y="4800600"/>
-            <a:ext cx="5486400" cy="566738"/>
+            <a:off x="1219200" y="612775"/>
+            <a:ext cx="6705600" cy="2546985"/>
           </a:xfrm>
-        </p:spPr>
-        <p:txBody>
-          <a:bodyPr anchor="b"/>
-          <a:lstStyle>
-            <a:lvl1pPr algn="l">
-              <a:defRPr sz="2000" b="1"/>
-            </a:lvl1pPr>
-          </a:lstStyle>
-          <a:p>
-            <a:r>
-              <a:rPr lang="en-US" smtClean="0"/>
-              <a:t>Click to edit Master title style</a:t>
-            </a:r>
-            <a:endParaRPr lang="en-US"/>
-          </a:p>
-        </p:txBody>
-      </p:sp>
-      <p:sp>
-        <p:nvSpPr>
-          <p:cNvPr id="3" name="Picture Placeholder 2"/>
-          <p:cNvSpPr>
-            <a:spLocks noGrp="1"/>
-          </p:cNvSpPr>
-          <p:nvPr>
-            <p:ph type="pic" idx="1"/>
-          </p:nvPr>
-        </p:nvSpPr>
-        <p:spPr>
-          <a:xfrm>
-            <a:off x="1792288" y="612775"/>
-            <a:ext cx="5486400" cy="4114800"/>
-          </a:xfrm>
+          <a:effectLst>
+            <a:outerShdw blurRad="152400" dist="317500" dir="5400000" sx="90000" sy="-19000" rotWithShape="0">
+              <a:prstClr val="black">
+                <a:alpha val="15000"/>
+              </a:prstClr>
+            </a:outerShdw>
+          </a:effectLst>
         </p:spPr>
         <p:txBody>
           <a:bodyPr/>
@@ -2424,6 +2557,10 @@
             </a:lvl9pPr>
           </a:lstStyle>
           <a:p>
+            <a:r>
+              <a:rPr lang="en-US" smtClean="0"/>
+              <a:t>Click icon to add picture</a:t>
+            </a:r>
             <a:endParaRPr lang="en-US"/>
           </a:p>
         </p:txBody>
@@ -2440,16 +2577,18 @@
         </p:nvSpPr>
         <p:spPr>
           <a:xfrm>
-            <a:off x="1792288" y="5367338"/>
-            <a:ext cx="5486400" cy="804862"/>
+            <a:off x="2743200" y="3453047"/>
+            <a:ext cx="5029200" cy="720804"/>
           </a:xfrm>
         </p:spPr>
         <p:txBody>
-          <a:bodyPr/>
+          <a:bodyPr anchor="ctr">
+            <a:normAutofit/>
+          </a:bodyPr>
           <a:lstStyle>
             <a:lvl1pPr marL="0" indent="0">
               <a:buNone/>
-              <a:defRPr sz="1400"/>
+              <a:defRPr sz="1600"/>
             </a:lvl1pPr>
             <a:lvl2pPr marL="457200" indent="0">
               <a:buNone/>
@@ -2495,7 +2634,78 @@
       </p:sp>
       <p:sp>
         <p:nvSpPr>
-          <p:cNvPr id="5" name="Date Placeholder 4"/>
+          <p:cNvPr id="9" name="TextBox 8"/>
+          <p:cNvSpPr txBox="1"/>
+          <p:nvPr/>
+        </p:nvSpPr>
+        <p:spPr>
+          <a:xfrm>
+            <a:off x="2435352" y="3331464"/>
+            <a:ext cx="457200" cy="923330"/>
+          </a:xfrm>
+          <a:prstGeom prst="rect">
+            <a:avLst/>
+          </a:prstGeom>
+          <a:noFill/>
+        </p:spPr>
+        <p:txBody>
+          <a:bodyPr wrap="square" lIns="0" tIns="0" rIns="0" bIns="0" rtlCol="0" anchor="t" anchorCtr="0">
+            <a:spAutoFit/>
+          </a:bodyPr>
+          <a:lstStyle/>
+          <a:p>
+            <a:r>
+              <a:rPr lang="en-US" sz="6000" dirty="0" smtClean="0">
+                <a:effectLst>
+                  <a:outerShdw blurRad="38100" dist="38100" dir="2700000" algn="tl">
+                    <a:srgbClr val="000000">
+                      <a:alpha val="43137"/>
+                    </a:srgbClr>
+                  </a:outerShdw>
+                </a:effectLst>
+                <a:latin typeface="+mn-lt"/>
+              </a:rPr>
+              <a:t>{</a:t>
+            </a:r>
+            <a:endParaRPr lang="en-US" sz="6000" dirty="0">
+              <a:effectLst>
+                <a:outerShdw blurRad="38100" dist="38100" dir="2700000" algn="tl">
+                  <a:srgbClr val="000000">
+                    <a:alpha val="43137"/>
+                  </a:srgbClr>
+                </a:outerShdw>
+              </a:effectLst>
+              <a:latin typeface="+mn-lt"/>
+            </a:endParaRPr>
+          </a:p>
+        </p:txBody>
+      </p:sp>
+      <p:sp>
+        <p:nvSpPr>
+          <p:cNvPr id="11" name="Title 10"/>
+          <p:cNvSpPr>
+            <a:spLocks noGrp="1"/>
+          </p:cNvSpPr>
+          <p:nvPr>
+            <p:ph type="title"/>
+          </p:nvPr>
+        </p:nvSpPr>
+        <p:spPr/>
+        <p:txBody>
+          <a:bodyPr/>
+          <a:lstStyle/>
+          <a:p>
+            <a:r>
+              <a:rPr lang="en-US" smtClean="0"/>
+              <a:t>Click to edit Master title style</a:t>
+            </a:r>
+            <a:endParaRPr lang="en-US"/>
+          </a:p>
+        </p:txBody>
+      </p:sp>
+      <p:sp>
+        <p:nvSpPr>
+          <p:cNvPr id="13" name="Date Placeholder 12"/>
           <p:cNvSpPr>
             <a:spLocks noGrp="1"/>
           </p:cNvSpPr>
@@ -2518,31 +2728,12 @@
       </p:sp>
       <p:sp>
         <p:nvSpPr>
-          <p:cNvPr id="6" name="Footer Placeholder 5"/>
-          <p:cNvSpPr>
-            <a:spLocks noGrp="1"/>
-          </p:cNvSpPr>
-          <p:nvPr>
-            <p:ph type="ftr" sz="quarter" idx="11"/>
-          </p:nvPr>
-        </p:nvSpPr>
-        <p:spPr/>
-        <p:txBody>
-          <a:bodyPr/>
-          <a:lstStyle/>
-          <a:p>
-            <a:endParaRPr lang="en-US"/>
-          </a:p>
-        </p:txBody>
-      </p:sp>
-      <p:sp>
-        <p:nvSpPr>
-          <p:cNvPr id="7" name="Slide Number Placeholder 6"/>
-          <p:cNvSpPr>
-            <a:spLocks noGrp="1"/>
-          </p:cNvSpPr>
-          <p:nvPr>
-            <p:ph type="sldNum" sz="quarter" idx="12"/>
+          <p:cNvPr id="14" name="Slide Number Placeholder 13"/>
+          <p:cNvSpPr>
+            <a:spLocks noGrp="1"/>
+          </p:cNvSpPr>
+          <p:nvPr>
+            <p:ph type="sldNum" sz="quarter" idx="11"/>
           </p:nvPr>
         </p:nvSpPr>
         <p:spPr/>
@@ -2558,12 +2749,26 @@
           </a:p>
         </p:txBody>
       </p:sp>
+      <p:sp>
+        <p:nvSpPr>
+          <p:cNvPr id="15" name="Footer Placeholder 14"/>
+          <p:cNvSpPr>
+            <a:spLocks noGrp="1"/>
+          </p:cNvSpPr>
+          <p:nvPr>
+            <p:ph type="ftr" sz="quarter" idx="12"/>
+          </p:nvPr>
+        </p:nvSpPr>
+        <p:spPr/>
+        <p:txBody>
+          <a:bodyPr/>
+          <a:lstStyle/>
+          <a:p>
+            <a:endParaRPr lang="en-US"/>
+          </a:p>
+        </p:txBody>
+      </p:sp>
     </p:spTree>
-    <p:extLst>
-      <p:ext uri="{BB962C8B-B14F-4D97-AF65-F5344CB8AC3E}">
-        <p14:creationId xmlns:p14="http://schemas.microsoft.com/office/powerpoint/2010/main" val="554925722"/>
-      </p:ext>
-    </p:extLst>
   </p:cSld>
   <p:clrMapOvr>
     <a:masterClrMapping/>
@@ -2575,9 +2780,38 @@
 <p:sldMaster xmlns:a="http://schemas.openxmlformats.org/drawingml/2006/main" xmlns:r="http://schemas.openxmlformats.org/officeDocument/2006/relationships" xmlns:p="http://schemas.openxmlformats.org/presentationml/2006/main">
   <p:cSld>
     <p:bg>
-      <p:bgRef idx="1001">
-        <a:schemeClr val="bg1"/>
-      </p:bgRef>
+      <p:bgPr>
+        <a:blipFill dpi="0" rotWithShape="1">
+          <a:blip r:embed="rId13">
+            <a:duotone>
+              <a:schemeClr val="bg2">
+                <a:shade val="14000"/>
+                <a:satMod val="280000"/>
+              </a:schemeClr>
+              <a:schemeClr val="bg2">
+                <a:tint val="60000"/>
+                <a:satMod val="120000"/>
+              </a:schemeClr>
+            </a:duotone>
+            <a:extLst>
+              <a:ext uri="{BEBA8EAE-BF5A-486C-A8C5-ECC9F3942E4B}">
+                <a14:imgProps xmlns:a14="http://schemas.microsoft.com/office/drawing/2010/main">
+                  <a14:imgLayer r:embed="rId14">
+                    <a14:imgEffect>
+                      <a14:artisticChalkSketch/>
+                    </a14:imgEffect>
+                  </a14:imgLayer>
+                </a14:imgProps>
+              </a:ext>
+            </a:extLst>
+          </a:blip>
+          <a:srcRect/>
+          <a:stretch>
+            <a:fillRect/>
+          </a:stretch>
+        </a:blipFill>
+        <a:effectLst/>
+      </p:bgPr>
     </p:bg>
     <p:spTree>
       <p:nvGrpSpPr>
@@ -2595,26 +2829,274 @@
       </p:grpSpPr>
       <p:sp>
         <p:nvSpPr>
-          <p:cNvPr id="2" name="Title Placeholder 1"/>
-          <p:cNvSpPr>
-            <a:spLocks noGrp="1"/>
-          </p:cNvSpPr>
-          <p:nvPr>
-            <p:ph type="title"/>
-          </p:nvPr>
+          <p:cNvPr id="7" name="Rectangle 6"/>
+          <p:cNvSpPr/>
+          <p:nvPr/>
         </p:nvSpPr>
         <p:spPr>
           <a:xfrm>
-            <a:off x="457200" y="274638"/>
-            <a:ext cx="8229600" cy="1143000"/>
+            <a:off x="0" y="0"/>
+            <a:ext cx="9144000" cy="6858000"/>
+          </a:xfrm>
+          <a:prstGeom prst="rect">
+            <a:avLst/>
+          </a:prstGeom>
+          <a:gradFill>
+            <a:gsLst>
+              <a:gs pos="0">
+                <a:schemeClr val="accent6">
+                  <a:lumMod val="50000"/>
+                  <a:alpha val="36000"/>
+                </a:schemeClr>
+              </a:gs>
+              <a:gs pos="100000">
+                <a:schemeClr val="bg2">
+                  <a:alpha val="10000"/>
+                </a:schemeClr>
+              </a:gs>
+            </a:gsLst>
+            <a:lin ang="5400000" scaled="0"/>
+          </a:gradFill>
+          <a:ln>
+            <a:noFill/>
+          </a:ln>
+        </p:spPr>
+        <p:style>
+          <a:lnRef idx="2">
+            <a:schemeClr val="accent1">
+              <a:shade val="50000"/>
+            </a:schemeClr>
+          </a:lnRef>
+          <a:fillRef idx="1">
+            <a:schemeClr val="accent1"/>
+          </a:fillRef>
+          <a:effectRef idx="0">
+            <a:schemeClr val="accent1"/>
+          </a:effectRef>
+          <a:fontRef idx="minor">
+            <a:schemeClr val="lt1"/>
+          </a:fontRef>
+        </p:style>
+        <p:txBody>
+          <a:bodyPr rtlCol="0" anchor="ctr"/>
+          <a:lstStyle/>
+          <a:p>
+            <a:pPr algn="ctr"/>
+            <a:endParaRPr lang="en-US"/>
+          </a:p>
+        </p:txBody>
+      </p:sp>
+      <p:sp>
+        <p:nvSpPr>
+          <p:cNvPr id="8" name="Oval 7"/>
+          <p:cNvSpPr/>
+          <p:nvPr/>
+        </p:nvSpPr>
+        <p:spPr>
+          <a:xfrm rot="19724275">
+            <a:off x="1373221" y="1038440"/>
+            <a:ext cx="7240620" cy="5706987"/>
+          </a:xfrm>
+          <a:prstGeom prst="ellipse">
+            <a:avLst/>
+          </a:prstGeom>
+          <a:gradFill flip="none" rotWithShape="1">
+            <a:gsLst>
+              <a:gs pos="0">
+                <a:schemeClr val="accent6">
+                  <a:lumMod val="60000"/>
+                  <a:lumOff val="40000"/>
+                  <a:alpha val="7000"/>
+                </a:schemeClr>
+              </a:gs>
+              <a:gs pos="58000">
+                <a:schemeClr val="bg2">
+                  <a:alpha val="0"/>
+                </a:schemeClr>
+              </a:gs>
+            </a:gsLst>
+            <a:path path="circle">
+              <a:fillToRect l="50000" t="50000" r="50000" b="50000"/>
+            </a:path>
+            <a:tileRect/>
+          </a:gradFill>
+          <a:ln>
+            <a:noFill/>
+          </a:ln>
+        </p:spPr>
+        <p:style>
+          <a:lnRef idx="2">
+            <a:schemeClr val="accent1">
+              <a:shade val="50000"/>
+            </a:schemeClr>
+          </a:lnRef>
+          <a:fillRef idx="1">
+            <a:schemeClr val="accent1"/>
+          </a:fillRef>
+          <a:effectRef idx="0">
+            <a:schemeClr val="accent1"/>
+          </a:effectRef>
+          <a:fontRef idx="minor">
+            <a:schemeClr val="lt1"/>
+          </a:fontRef>
+        </p:style>
+        <p:txBody>
+          <a:bodyPr rtlCol="0" anchor="ctr"/>
+          <a:lstStyle/>
+          <a:p>
+            <a:pPr algn="ctr"/>
+            <a:endParaRPr lang="en-US"/>
+          </a:p>
+        </p:txBody>
+      </p:sp>
+      <p:sp>
+        <p:nvSpPr>
+          <p:cNvPr id="9" name="Oval 8"/>
+          <p:cNvSpPr/>
+          <p:nvPr/>
+        </p:nvSpPr>
+        <p:spPr>
+          <a:xfrm rot="17656910">
+            <a:off x="-274211" y="1165875"/>
+            <a:ext cx="5538472" cy="4480459"/>
+          </a:xfrm>
+          <a:prstGeom prst="ellipse">
+            <a:avLst/>
+          </a:prstGeom>
+          <a:gradFill flip="none" rotWithShape="1">
+            <a:gsLst>
+              <a:gs pos="0">
+                <a:schemeClr val="accent6">
+                  <a:lumMod val="60000"/>
+                  <a:lumOff val="40000"/>
+                  <a:alpha val="8000"/>
+                </a:schemeClr>
+              </a:gs>
+              <a:gs pos="58000">
+                <a:schemeClr val="bg2">
+                  <a:alpha val="0"/>
+                </a:schemeClr>
+              </a:gs>
+            </a:gsLst>
+            <a:path path="circle">
+              <a:fillToRect l="50000" t="50000" r="50000" b="50000"/>
+            </a:path>
+            <a:tileRect/>
+          </a:gradFill>
+          <a:ln>
+            <a:noFill/>
+          </a:ln>
+        </p:spPr>
+        <p:style>
+          <a:lnRef idx="2">
+            <a:schemeClr val="accent1">
+              <a:shade val="50000"/>
+            </a:schemeClr>
+          </a:lnRef>
+          <a:fillRef idx="1">
+            <a:schemeClr val="accent1"/>
+          </a:fillRef>
+          <a:effectRef idx="0">
+            <a:schemeClr val="accent1"/>
+          </a:effectRef>
+          <a:fontRef idx="minor">
+            <a:schemeClr val="lt1"/>
+          </a:fontRef>
+        </p:style>
+        <p:txBody>
+          <a:bodyPr rtlCol="0" anchor="ctr"/>
+          <a:lstStyle/>
+          <a:p>
+            <a:pPr algn="ctr"/>
+            <a:endParaRPr lang="en-US"/>
+          </a:p>
+        </p:txBody>
+      </p:sp>
+      <p:sp>
+        <p:nvSpPr>
+          <p:cNvPr id="10" name="Oval 9"/>
+          <p:cNvSpPr/>
+          <p:nvPr/>
+        </p:nvSpPr>
+        <p:spPr>
+          <a:xfrm rot="19724275">
+            <a:off x="3277955" y="116854"/>
+            <a:ext cx="6479362" cy="4754757"/>
+          </a:xfrm>
+          <a:prstGeom prst="ellipse">
+            <a:avLst/>
+          </a:prstGeom>
+          <a:gradFill flip="none" rotWithShape="1">
+            <a:gsLst>
+              <a:gs pos="0">
+                <a:schemeClr val="accent6">
+                  <a:lumMod val="60000"/>
+                  <a:lumOff val="40000"/>
+                  <a:alpha val="8000"/>
+                </a:schemeClr>
+              </a:gs>
+              <a:gs pos="58000">
+                <a:schemeClr val="bg2">
+                  <a:alpha val="0"/>
+                </a:schemeClr>
+              </a:gs>
+            </a:gsLst>
+            <a:path path="circle">
+              <a:fillToRect l="50000" t="50000" r="50000" b="50000"/>
+            </a:path>
+            <a:tileRect/>
+          </a:gradFill>
+          <a:ln>
+            <a:noFill/>
+          </a:ln>
+        </p:spPr>
+        <p:style>
+          <a:lnRef idx="2">
+            <a:schemeClr val="accent1">
+              <a:shade val="50000"/>
+            </a:schemeClr>
+          </a:lnRef>
+          <a:fillRef idx="1">
+            <a:schemeClr val="accent1"/>
+          </a:fillRef>
+          <a:effectRef idx="0">
+            <a:schemeClr val="accent1"/>
+          </a:effectRef>
+          <a:fontRef idx="minor">
+            <a:schemeClr val="lt1"/>
+          </a:fontRef>
+        </p:style>
+        <p:txBody>
+          <a:bodyPr rtlCol="0" anchor="ctr"/>
+          <a:lstStyle/>
+          <a:p>
+            <a:pPr algn="ctr"/>
+            <a:endParaRPr lang="en-US"/>
+          </a:p>
+        </p:txBody>
+      </p:sp>
+      <p:sp>
+        <p:nvSpPr>
+          <p:cNvPr id="2" name="Title Placeholder 1"/>
+          <p:cNvSpPr>
+            <a:spLocks noGrp="1"/>
+          </p:cNvSpPr>
+          <p:nvPr>
+            <p:ph type="title"/>
+          </p:nvPr>
+        </p:nvSpPr>
+        <p:spPr>
+          <a:xfrm>
+            <a:off x="777240" y="4876800"/>
+            <a:ext cx="7543800" cy="914400"/>
           </a:xfrm>
           <a:prstGeom prst="rect">
             <a:avLst/>
           </a:prstGeom>
         </p:spPr>
         <p:txBody>
-          <a:bodyPr vert="horz" lIns="91440" tIns="45720" rIns="91440" bIns="45720" rtlCol="0" anchor="ctr">
-            <a:normAutofit/>
+          <a:bodyPr vert="horz" lIns="91440" tIns="45720" rIns="91440" bIns="45720" rtlCol="0" anchor="b">
+            <a:noAutofit/>
           </a:bodyPr>
           <a:lstStyle/>
           <a:p>
@@ -2622,7 +3104,7 @@
               <a:rPr lang="en-US" smtClean="0"/>
               <a:t>Click to edit Master title style</a:t>
             </a:r>
-            <a:endParaRPr lang="en-US"/>
+            <a:endParaRPr lang="en-US" dirty="0"/>
           </a:p>
         </p:txBody>
       </p:sp>
@@ -2638,15 +3120,15 @@
         </p:nvSpPr>
         <p:spPr>
           <a:xfrm>
-            <a:off x="457200" y="1600200"/>
-            <a:ext cx="8229600" cy="4525963"/>
+            <a:off x="2133600" y="685801"/>
+            <a:ext cx="6096000" cy="3657599"/>
           </a:xfrm>
           <a:prstGeom prst="rect">
             <a:avLst/>
           </a:prstGeom>
         </p:spPr>
         <p:txBody>
-          <a:bodyPr vert="horz" lIns="91440" tIns="45720" rIns="91440" bIns="45720" rtlCol="0">
+          <a:bodyPr vert="horz" lIns="91440" tIns="45720" rIns="91440" bIns="45720" rtlCol="0" anchor="ctr">
             <a:normAutofit/>
           </a:bodyPr>
           <a:lstStyle/>
@@ -2684,7 +3166,7 @@
               <a:rPr lang="en-US" smtClean="0"/>
               <a:t>Fifth level</a:t>
             </a:r>
-            <a:endParaRPr lang="en-US"/>
+            <a:endParaRPr lang="en-US" dirty="0"/>
           </a:p>
         </p:txBody>
       </p:sp>
@@ -2700,7 +3182,7 @@
         </p:nvSpPr>
         <p:spPr>
           <a:xfrm>
-            <a:off x="457200" y="6356350"/>
+            <a:off x="6172200" y="6154738"/>
             <a:ext cx="2133600" cy="365125"/>
           </a:xfrm>
           <a:prstGeom prst="rect">
@@ -2708,15 +3190,16 @@
           </a:prstGeom>
         </p:spPr>
         <p:txBody>
-          <a:bodyPr vert="horz" lIns="91440" tIns="45720" rIns="91440" bIns="45720" rtlCol="0" anchor="ctr"/>
+          <a:bodyPr vert="horz" lIns="91440" tIns="45720" rIns="91440" bIns="45720" rtlCol="0" anchor="t"/>
           <a:lstStyle>
-            <a:lvl1pPr algn="l">
-              <a:defRPr sz="1200">
+            <a:lvl1pPr algn="r">
+              <a:defRPr sz="1100">
                 <a:solidFill>
                   <a:schemeClr val="tx1">
-                    <a:tint val="75000"/>
+                    <a:alpha val="60000"/>
                   </a:schemeClr>
                 </a:solidFill>
+                <a:effectLst/>
               </a:defRPr>
             </a:lvl1pPr>
           </a:lstStyle>
@@ -2741,23 +3224,24 @@
         </p:nvSpPr>
         <p:spPr>
           <a:xfrm>
-            <a:off x="3124200" y="6356350"/>
-            <a:ext cx="2895600" cy="365125"/>
+            <a:off x="822960" y="6154738"/>
+            <a:ext cx="4572000" cy="365125"/>
           </a:xfrm>
           <a:prstGeom prst="rect">
             <a:avLst/>
           </a:prstGeom>
         </p:spPr>
         <p:txBody>
-          <a:bodyPr vert="horz" lIns="91440" tIns="45720" rIns="91440" bIns="45720" rtlCol="0" anchor="ctr"/>
+          <a:bodyPr vert="horz" lIns="91440" tIns="45720" rIns="91440" bIns="45720" rtlCol="0" anchor="t"/>
           <a:lstStyle>
-            <a:lvl1pPr algn="ctr">
-              <a:defRPr sz="1200">
+            <a:lvl1pPr algn="l">
+              <a:defRPr sz="1100">
                 <a:solidFill>
                   <a:schemeClr val="tx1">
-                    <a:tint val="75000"/>
+                    <a:alpha val="60000"/>
                   </a:schemeClr>
                 </a:solidFill>
+                <a:effectLst/>
               </a:defRPr>
             </a:lvl1pPr>
           </a:lstStyle>
@@ -2778,23 +3262,24 @@
         </p:nvSpPr>
         <p:spPr>
           <a:xfrm>
-            <a:off x="6553200" y="6356350"/>
-            <a:ext cx="2133600" cy="365125"/>
+            <a:off x="822960" y="5842000"/>
+            <a:ext cx="2133600" cy="304800"/>
           </a:xfrm>
           <a:prstGeom prst="rect">
             <a:avLst/>
           </a:prstGeom>
         </p:spPr>
         <p:txBody>
-          <a:bodyPr vert="horz" lIns="91440" tIns="45720" rIns="91440" bIns="45720" rtlCol="0" anchor="ctr"/>
+          <a:bodyPr vert="horz" lIns="91440" tIns="45720" rIns="91440" bIns="9144" rtlCol="0" anchor="b"/>
           <a:lstStyle>
-            <a:lvl1pPr algn="r">
-              <a:defRPr sz="1200">
+            <a:lvl1pPr algn="l">
+              <a:defRPr sz="1600">
                 <a:solidFill>
                   <a:schemeClr val="tx1">
-                    <a:tint val="75000"/>
+                    <a:alpha val="60000"/>
                   </a:schemeClr>
                 </a:solidFill>
+                <a:effectLst/>
               </a:defRPr>
             </a:lvl1pPr>
           </a:lstStyle>
@@ -2808,174 +3293,307 @@
         </p:txBody>
       </p:sp>
     </p:spTree>
-    <p:extLst>
-      <p:ext uri="{BB962C8B-B14F-4D97-AF65-F5344CB8AC3E}">
-        <p14:creationId xmlns:p14="http://schemas.microsoft.com/office/powerpoint/2010/main" val="4222122326"/>
-      </p:ext>
-    </p:extLst>
   </p:cSld>
-  <p:clrMap bg1="lt1" tx1="dk1" bg2="lt2" tx2="dk2" accent1="accent1" accent2="accent2" accent3="accent3" accent4="accent4" accent5="accent5" accent6="accent6" hlink="hlink" folHlink="folHlink"/>
+  <p:clrMap bg1="dk1" tx1="lt1" bg2="dk2" tx2="lt2" accent1="accent1" accent2="accent2" accent3="accent3" accent4="accent4" accent5="accent5" accent6="accent6" hlink="hlink" folHlink="folHlink"/>
   <p:sldLayoutIdLst>
-    <p:sldLayoutId id="2147483649" r:id="rId1"/>
-    <p:sldLayoutId id="2147483650" r:id="rId2"/>
-    <p:sldLayoutId id="2147483651" r:id="rId3"/>
-    <p:sldLayoutId id="2147483652" r:id="rId4"/>
-    <p:sldLayoutId id="2147483653" r:id="rId5"/>
-    <p:sldLayoutId id="2147483654" r:id="rId6"/>
-    <p:sldLayoutId id="2147483655" r:id="rId7"/>
-    <p:sldLayoutId id="2147483656" r:id="rId8"/>
-    <p:sldLayoutId id="2147483657" r:id="rId9"/>
-    <p:sldLayoutId id="2147483658" r:id="rId10"/>
-    <p:sldLayoutId id="2147483659" r:id="rId11"/>
+    <p:sldLayoutId id="2147483721" r:id="rId1"/>
+    <p:sldLayoutId id="2147483722" r:id="rId2"/>
+    <p:sldLayoutId id="2147483723" r:id="rId3"/>
+    <p:sldLayoutId id="2147483724" r:id="rId4"/>
+    <p:sldLayoutId id="2147483725" r:id="rId5"/>
+    <p:sldLayoutId id="2147483726" r:id="rId6"/>
+    <p:sldLayoutId id="2147483727" r:id="rId7"/>
+    <p:sldLayoutId id="2147483728" r:id="rId8"/>
+    <p:sldLayoutId id="2147483729" r:id="rId9"/>
+    <p:sldLayoutId id="2147483730" r:id="rId10"/>
+    <p:sldLayoutId id="2147483731" r:id="rId11"/>
   </p:sldLayoutIdLst>
   <p:txStyles>
     <p:titleStyle>
-      <a:lvl1pPr algn="ctr" defTabSz="914400" rtl="0" eaLnBrk="1" latinLnBrk="0" hangingPunct="1">
+      <a:lvl1pPr algn="l" defTabSz="914400" rtl="0" eaLnBrk="1" latinLnBrk="0" hangingPunct="1">
         <a:spcBef>
           <a:spcPct val="0"/>
         </a:spcBef>
         <a:buNone/>
-        <a:defRPr sz="4400" kern="1200">
+        <a:defRPr sz="4900" kern="1200">
           <a:solidFill>
             <a:schemeClr val="tx1"/>
           </a:solidFill>
+          <a:effectLst>
+            <a:outerShdw blurRad="38100" dist="38100" dir="2700000" algn="tl">
+              <a:srgbClr val="000000">
+                <a:alpha val="43137"/>
+              </a:srgbClr>
+            </a:outerShdw>
+          </a:effectLst>
           <a:latin typeface="+mj-lt"/>
           <a:ea typeface="+mj-ea"/>
           <a:cs typeface="+mj-cs"/>
         </a:defRPr>
       </a:lvl1pPr>
+      <a:lvl2pPr eaLnBrk="1" hangingPunct="1">
+        <a:defRPr>
+          <a:solidFill>
+            <a:schemeClr val="tx2"/>
+          </a:solidFill>
+        </a:defRPr>
+      </a:lvl2pPr>
+      <a:lvl3pPr eaLnBrk="1" hangingPunct="1">
+        <a:defRPr>
+          <a:solidFill>
+            <a:schemeClr val="tx2"/>
+          </a:solidFill>
+        </a:defRPr>
+      </a:lvl3pPr>
+      <a:lvl4pPr eaLnBrk="1" hangingPunct="1">
+        <a:defRPr>
+          <a:solidFill>
+            <a:schemeClr val="tx2"/>
+          </a:solidFill>
+        </a:defRPr>
+      </a:lvl4pPr>
+      <a:lvl5pPr eaLnBrk="1" hangingPunct="1">
+        <a:defRPr>
+          <a:solidFill>
+            <a:schemeClr val="tx2"/>
+          </a:solidFill>
+        </a:defRPr>
+      </a:lvl5pPr>
+      <a:lvl6pPr eaLnBrk="1" hangingPunct="1">
+        <a:defRPr>
+          <a:solidFill>
+            <a:schemeClr val="tx2"/>
+          </a:solidFill>
+        </a:defRPr>
+      </a:lvl6pPr>
+      <a:lvl7pPr eaLnBrk="1" hangingPunct="1">
+        <a:defRPr>
+          <a:solidFill>
+            <a:schemeClr val="tx2"/>
+          </a:solidFill>
+        </a:defRPr>
+      </a:lvl7pPr>
+      <a:lvl8pPr eaLnBrk="1" hangingPunct="1">
+        <a:defRPr>
+          <a:solidFill>
+            <a:schemeClr val="tx2"/>
+          </a:solidFill>
+        </a:defRPr>
+      </a:lvl8pPr>
+      <a:lvl9pPr eaLnBrk="1" hangingPunct="1">
+        <a:defRPr>
+          <a:solidFill>
+            <a:schemeClr val="tx2"/>
+          </a:solidFill>
+        </a:defRPr>
+      </a:lvl9pPr>
     </p:titleStyle>
     <p:bodyStyle>
-      <a:lvl1pPr marL="342900" indent="-342900" algn="l" defTabSz="914400" rtl="0" eaLnBrk="1" latinLnBrk="0" hangingPunct="1">
+      <a:lvl1pPr marL="274320" indent="-256032" algn="l" defTabSz="914400" rtl="0" eaLnBrk="1" latinLnBrk="0" hangingPunct="1">
         <a:spcBef>
           <a:spcPct val="20000"/>
         </a:spcBef>
-        <a:buFont typeface="Arial" pitchFamily="34" charset="0"/>
-        <a:buChar char="•"/>
-        <a:defRPr sz="3200" kern="1200">
+        <a:spcAft>
+          <a:spcPts val="0"/>
+        </a:spcAft>
+        <a:buSzPct val="60000"/>
+        <a:buFont typeface="Wingdings" pitchFamily="2" charset="2"/>
+        <a:buChar char=""/>
+        <a:defRPr sz="2100" kern="1200">
           <a:solidFill>
             <a:schemeClr val="tx1"/>
           </a:solidFill>
+          <a:effectLst>
+            <a:outerShdw blurRad="38100" dist="38100" dir="2700000" algn="tl">
+              <a:srgbClr val="000000">
+                <a:alpha val="43137"/>
+              </a:srgbClr>
+            </a:outerShdw>
+          </a:effectLst>
           <a:latin typeface="+mn-lt"/>
           <a:ea typeface="+mn-ea"/>
           <a:cs typeface="+mn-cs"/>
         </a:defRPr>
       </a:lvl1pPr>
-      <a:lvl2pPr marL="742950" indent="-285750" algn="l" defTabSz="914400" rtl="0" eaLnBrk="1" latinLnBrk="0" hangingPunct="1">
+      <a:lvl2pPr marL="640080" indent="-256032" algn="l" defTabSz="914400" rtl="0" eaLnBrk="1" latinLnBrk="0" hangingPunct="1">
         <a:spcBef>
           <a:spcPct val="20000"/>
         </a:spcBef>
-        <a:buFont typeface="Arial" pitchFamily="34" charset="0"/>
-        <a:buChar char="–"/>
-        <a:defRPr sz="2800" kern="1200">
+        <a:buSzPct val="60000"/>
+        <a:buFont typeface="Wingdings" pitchFamily="2" charset="2"/>
+        <a:buChar char=""/>
+        <a:defRPr sz="1900" kern="1200">
           <a:solidFill>
             <a:schemeClr val="tx1"/>
           </a:solidFill>
+          <a:effectLst>
+            <a:outerShdw blurRad="38100" dist="38100" dir="2700000" algn="tl">
+              <a:srgbClr val="000000">
+                <a:alpha val="43137"/>
+              </a:srgbClr>
+            </a:outerShdw>
+          </a:effectLst>
           <a:latin typeface="+mn-lt"/>
           <a:ea typeface="+mn-ea"/>
           <a:cs typeface="+mn-cs"/>
         </a:defRPr>
       </a:lvl2pPr>
-      <a:lvl3pPr marL="1143000" indent="-228600" algn="l" defTabSz="914400" rtl="0" eaLnBrk="1" latinLnBrk="0" hangingPunct="1">
+      <a:lvl3pPr marL="1005840" indent="-256032" algn="l" defTabSz="914400" rtl="0" eaLnBrk="1" latinLnBrk="0" hangingPunct="1">
         <a:spcBef>
           <a:spcPct val="20000"/>
         </a:spcBef>
-        <a:buFont typeface="Arial" pitchFamily="34" charset="0"/>
-        <a:buChar char="•"/>
-        <a:defRPr sz="2400" kern="1200">
+        <a:buSzPct val="60000"/>
+        <a:buFont typeface="Wingdings" pitchFamily="2" charset="2"/>
+        <a:buChar char=""/>
+        <a:defRPr sz="1700" kern="1200">
           <a:solidFill>
             <a:schemeClr val="tx1"/>
           </a:solidFill>
+          <a:effectLst>
+            <a:outerShdw blurRad="38100" dist="38100" dir="2700000" algn="tl">
+              <a:srgbClr val="000000">
+                <a:alpha val="43137"/>
+              </a:srgbClr>
+            </a:outerShdw>
+          </a:effectLst>
           <a:latin typeface="+mn-lt"/>
           <a:ea typeface="+mn-ea"/>
           <a:cs typeface="+mn-cs"/>
         </a:defRPr>
       </a:lvl3pPr>
-      <a:lvl4pPr marL="1600200" indent="-228600" algn="l" defTabSz="914400" rtl="0" eaLnBrk="1" latinLnBrk="0" hangingPunct="1">
+      <a:lvl4pPr marL="1371600" indent="-256032" algn="l" defTabSz="914400" rtl="0" eaLnBrk="1" latinLnBrk="0" hangingPunct="1">
         <a:spcBef>
           <a:spcPct val="20000"/>
         </a:spcBef>
-        <a:buFont typeface="Arial" pitchFamily="34" charset="0"/>
-        <a:buChar char="–"/>
-        <a:defRPr sz="2000" kern="1200">
+        <a:buSzPct val="60000"/>
+        <a:buFont typeface="Wingdings" pitchFamily="2" charset="2"/>
+        <a:buChar char=""/>
+        <a:defRPr sz="1600" kern="1200">
           <a:solidFill>
             <a:schemeClr val="tx1"/>
           </a:solidFill>
+          <a:effectLst>
+            <a:outerShdw blurRad="38100" dist="38100" dir="2700000" algn="tl">
+              <a:srgbClr val="000000">
+                <a:alpha val="43137"/>
+              </a:srgbClr>
+            </a:outerShdw>
+          </a:effectLst>
           <a:latin typeface="+mn-lt"/>
           <a:ea typeface="+mn-ea"/>
           <a:cs typeface="+mn-cs"/>
         </a:defRPr>
       </a:lvl4pPr>
-      <a:lvl5pPr marL="2057400" indent="-228600" algn="l" defTabSz="914400" rtl="0" eaLnBrk="1" latinLnBrk="0" hangingPunct="1">
+      <a:lvl5pPr marL="1645920" indent="-256032" algn="l" defTabSz="914400" rtl="0" eaLnBrk="1" latinLnBrk="0" hangingPunct="1">
         <a:spcBef>
           <a:spcPct val="20000"/>
         </a:spcBef>
-        <a:buFont typeface="Arial" pitchFamily="34" charset="0"/>
-        <a:buChar char="»"/>
-        <a:defRPr sz="2000" kern="1200">
+        <a:buSzPct val="60000"/>
+        <a:buFont typeface="Wingdings" pitchFamily="2" charset="2"/>
+        <a:buChar char=""/>
+        <a:defRPr sz="1500" kern="1200">
           <a:solidFill>
             <a:schemeClr val="tx1"/>
           </a:solidFill>
+          <a:effectLst>
+            <a:outerShdw blurRad="38100" dist="38100" dir="2700000" algn="tl">
+              <a:srgbClr val="000000">
+                <a:alpha val="43137"/>
+              </a:srgbClr>
+            </a:outerShdw>
+          </a:effectLst>
           <a:latin typeface="+mn-lt"/>
           <a:ea typeface="+mn-ea"/>
           <a:cs typeface="+mn-cs"/>
         </a:defRPr>
       </a:lvl5pPr>
-      <a:lvl6pPr marL="2514600" indent="-228600" algn="l" defTabSz="914400" rtl="0" eaLnBrk="1" latinLnBrk="0" hangingPunct="1">
+      <a:lvl6pPr marL="1965960" indent="-256032" algn="l" defTabSz="914400" rtl="0" eaLnBrk="1" latinLnBrk="0" hangingPunct="1">
         <a:spcBef>
           <a:spcPct val="20000"/>
         </a:spcBef>
-        <a:buFont typeface="Arial" pitchFamily="34" charset="0"/>
-        <a:buChar char="•"/>
-        <a:defRPr sz="2000" kern="1200">
+        <a:buSzPct val="60000"/>
+        <a:buFont typeface="Wingdings" pitchFamily="2" charset="2"/>
+        <a:buChar char=""/>
+        <a:defRPr sz="1400" kern="1200">
           <a:solidFill>
             <a:schemeClr val="tx1"/>
           </a:solidFill>
+          <a:effectLst>
+            <a:outerShdw blurRad="38100" dist="38100" dir="2700000" algn="ctr" rotWithShape="0">
+              <a:srgbClr val="000000">
+                <a:alpha val="43000"/>
+              </a:srgbClr>
+            </a:outerShdw>
+          </a:effectLst>
           <a:latin typeface="+mn-lt"/>
           <a:ea typeface="+mn-ea"/>
           <a:cs typeface="+mn-cs"/>
         </a:defRPr>
       </a:lvl6pPr>
-      <a:lvl7pPr marL="2971800" indent="-228600" algn="l" defTabSz="914400" rtl="0" eaLnBrk="1" latinLnBrk="0" hangingPunct="1">
+      <a:lvl7pPr marL="2240280" indent="-256032" algn="l" defTabSz="914400" rtl="0" eaLnBrk="1" latinLnBrk="0" hangingPunct="1">
         <a:spcBef>
           <a:spcPct val="20000"/>
         </a:spcBef>
-        <a:buFont typeface="Arial" pitchFamily="34" charset="0"/>
-        <a:buChar char="•"/>
-        <a:defRPr sz="2000" kern="1200">
+        <a:buSzPct val="60000"/>
+        <a:buFont typeface="Wingdings" pitchFamily="2" charset="2"/>
+        <a:buChar char=""/>
+        <a:defRPr sz="1400" kern="1200">
           <a:solidFill>
             <a:schemeClr val="tx1"/>
           </a:solidFill>
+          <a:effectLst>
+            <a:outerShdw blurRad="38100" dist="38100" dir="2700000" algn="ctr" rotWithShape="0">
+              <a:srgbClr val="000000">
+                <a:alpha val="43000"/>
+              </a:srgbClr>
+            </a:outerShdw>
+          </a:effectLst>
           <a:latin typeface="+mn-lt"/>
           <a:ea typeface="+mn-ea"/>
           <a:cs typeface="+mn-cs"/>
         </a:defRPr>
       </a:lvl7pPr>
-      <a:lvl8pPr marL="3429000" indent="-228600" algn="l" defTabSz="914400" rtl="0" eaLnBrk="1" latinLnBrk="0" hangingPunct="1">
+      <a:lvl8pPr marL="2514600" indent="-256032" algn="l" defTabSz="914400" rtl="0" eaLnBrk="1" latinLnBrk="0" hangingPunct="1">
         <a:spcBef>
           <a:spcPct val="20000"/>
         </a:spcBef>
-        <a:buFont typeface="Arial" pitchFamily="34" charset="0"/>
-        <a:buChar char="•"/>
-        <a:defRPr sz="2000" kern="1200">
+        <a:buSzPct val="60000"/>
+        <a:buFont typeface="Wingdings" pitchFamily="2" charset="2"/>
+        <a:buChar char=""/>
+        <a:defRPr sz="1400" kern="1200">
           <a:solidFill>
             <a:schemeClr val="tx1"/>
           </a:solidFill>
+          <a:effectLst>
+            <a:outerShdw blurRad="38100" dist="38100" dir="2700000" algn="ctr" rotWithShape="0">
+              <a:srgbClr val="000000">
+                <a:alpha val="43000"/>
+              </a:srgbClr>
+            </a:outerShdw>
+          </a:effectLst>
           <a:latin typeface="+mn-lt"/>
           <a:ea typeface="+mn-ea"/>
           <a:cs typeface="+mn-cs"/>
         </a:defRPr>
       </a:lvl8pPr>
-      <a:lvl9pPr marL="3886200" indent="-228600" algn="l" defTabSz="914400" rtl="0" eaLnBrk="1" latinLnBrk="0" hangingPunct="1">
+      <a:lvl9pPr marL="2834640" indent="-256032" algn="l" defTabSz="914400" rtl="0" eaLnBrk="1" latinLnBrk="0" hangingPunct="1">
         <a:spcBef>
           <a:spcPct val="20000"/>
         </a:spcBef>
-        <a:buFont typeface="Arial" pitchFamily="34" charset="0"/>
-        <a:buChar char="•"/>
-        <a:defRPr sz="2000" kern="1200">
+        <a:buSzPct val="60000"/>
+        <a:buFont typeface="Wingdings" pitchFamily="2" charset="2"/>
+        <a:buChar char=""/>
+        <a:defRPr sz="1400" kern="1200">
           <a:solidFill>
             <a:schemeClr val="tx1"/>
           </a:solidFill>
+          <a:effectLst>
+            <a:outerShdw blurRad="38100" dist="38100" dir="2700000" algn="ctr" rotWithShape="0">
+              <a:srgbClr val="000000">
+                <a:alpha val="43000"/>
+              </a:srgbClr>
+            </a:outerShdw>
+          </a:effectLst>
           <a:latin typeface="+mn-lt"/>
           <a:ea typeface="+mn-ea"/>
           <a:cs typeface="+mn-cs"/>
@@ -3134,7 +3752,7 @@
         <p:spPr/>
         <p:txBody>
           <a:bodyPr>
-            <a:normAutofit fontScale="85000" lnSpcReduction="20000"/>
+            <a:normAutofit fontScale="47500" lnSpcReduction="20000"/>
           </a:bodyPr>
           <a:lstStyle/>
           <a:p>
@@ -3174,6 +3792,13 @@
   <p:clrMapOvr>
     <a:masterClrMapping/>
   </p:clrMapOvr>
+  <p:timing>
+    <p:tnLst>
+      <p:par>
+        <p:cTn id="1" dur="indefinite" restart="never" nodeType="tmRoot"/>
+      </p:par>
+    </p:tnLst>
+  </p:timing>
 </p:sld>
 </file>
 
@@ -3196,6 +3821,39 @@
       </p:grpSpPr>
       <p:sp>
         <p:nvSpPr>
+          <p:cNvPr id="3" name="Content Placeholder 2"/>
+          <p:cNvSpPr>
+            <a:spLocks noGrp="1"/>
+          </p:cNvSpPr>
+          <p:nvPr>
+            <p:ph idx="1"/>
+          </p:nvPr>
+        </p:nvSpPr>
+        <p:spPr/>
+        <p:txBody>
+          <a:bodyPr/>
+          <a:lstStyle/>
+          <a:p>
+            <a:r>
+              <a:rPr lang="en-US" dirty="0" smtClean="0"/>
+              <a:t>It works, so we can successfully communicate with the game and control servers being added</a:t>
+            </a:r>
+          </a:p>
+          <a:p>
+            <a:r>
+              <a:rPr lang="en-US" dirty="0" smtClean="0"/>
+              <a:t>It’s written in </a:t>
+            </a:r>
+            <a:r>
+              <a:rPr lang="en-US" dirty="0" err="1" smtClean="0"/>
+              <a:t>php</a:t>
+            </a:r>
+            <a:endParaRPr lang="en-US" dirty="0" smtClean="0"/>
+          </a:p>
+        </p:txBody>
+      </p:sp>
+      <p:sp>
+        <p:nvSpPr>
           <p:cNvPr id="2" name="Title 1"/>
           <p:cNvSpPr>
             <a:spLocks noGrp="1"/>
@@ -3204,7 +3862,12 @@
             <p:ph type="title"/>
           </p:nvPr>
         </p:nvSpPr>
-        <p:spPr/>
+        <p:spPr>
+          <a:xfrm>
+            <a:off x="685800" y="609600"/>
+            <a:ext cx="7543800" cy="914400"/>
+          </a:xfrm>
+        </p:spPr>
         <p:txBody>
           <a:bodyPr/>
           <a:lstStyle/>
@@ -3212,35 +3875,6 @@
             <a:r>
               <a:rPr lang="en-US" dirty="0" smtClean="0"/>
               <a:t>Socket Code</a:t>
-            </a:r>
-            <a:endParaRPr lang="en-US" dirty="0"/>
-          </a:p>
-        </p:txBody>
-      </p:sp>
-      <p:sp>
-        <p:nvSpPr>
-          <p:cNvPr id="3" name="Content Placeholder 2"/>
-          <p:cNvSpPr>
-            <a:spLocks noGrp="1"/>
-          </p:cNvSpPr>
-          <p:nvPr>
-            <p:ph idx="1"/>
-          </p:nvPr>
-        </p:nvSpPr>
-        <p:spPr/>
-        <p:txBody>
-          <a:bodyPr/>
-          <a:lstStyle/>
-          <a:p>
-            <a:r>
-              <a:rPr lang="en-US" dirty="0" smtClean="0"/>
-              <a:t>It works</a:t>
-            </a:r>
-          </a:p>
-          <a:p>
-            <a:r>
-              <a:rPr lang="en-US" dirty="0" smtClean="0"/>
-              <a:t>Moving on…</a:t>
             </a:r>
             <a:endParaRPr lang="en-US" dirty="0"/>
           </a:p>
@@ -3256,6 +3890,13 @@
   <p:clrMapOvr>
     <a:masterClrMapping/>
   </p:clrMapOvr>
+  <p:timing>
+    <p:tnLst>
+      <p:par>
+        <p:cTn id="1" dur="indefinite" restart="never" nodeType="tmRoot"/>
+      </p:par>
+    </p:tnLst>
+  </p:timing>
 </p:sld>
 </file>
 
@@ -3278,6 +3919,56 @@
       </p:grpSpPr>
       <p:sp>
         <p:nvSpPr>
+          <p:cNvPr id="3" name="Content Placeholder 2"/>
+          <p:cNvSpPr>
+            <a:spLocks noGrp="1"/>
+          </p:cNvSpPr>
+          <p:nvPr>
+            <p:ph idx="1"/>
+          </p:nvPr>
+        </p:nvSpPr>
+        <p:spPr>
+          <a:xfrm>
+            <a:off x="1676400" y="1524000"/>
+            <a:ext cx="6096000" cy="3657599"/>
+          </a:xfrm>
+        </p:spPr>
+        <p:txBody>
+          <a:bodyPr/>
+          <a:lstStyle/>
+          <a:p>
+            <a:r>
+              <a:rPr lang="en-US" dirty="0" smtClean="0"/>
+              <a:t>Adds servers forever</a:t>
+            </a:r>
+          </a:p>
+          <a:p>
+            <a:r>
+              <a:rPr lang="en-US" dirty="0" smtClean="0"/>
+              <a:t>Don’t worry, your network will be so fast that no one will ever go to any competitor</a:t>
+            </a:r>
+          </a:p>
+          <a:p>
+            <a:r>
+              <a:rPr lang="en-US" dirty="0" smtClean="0"/>
+              <a:t>Don’t worry about paying for the infrastructure, that stuff is free anyway, right</a:t>
+            </a:r>
+            <a:r>
+              <a:rPr lang="en-US" dirty="0" smtClean="0"/>
+              <a:t>?</a:t>
+            </a:r>
+          </a:p>
+          <a:p>
+            <a:r>
+              <a:rPr lang="en-US" dirty="0" smtClean="0"/>
+              <a:t>If anything, give this code to Goldman Sachs.  You won’t be hearing from them for a while.</a:t>
+            </a:r>
+            <a:endParaRPr lang="en-US" dirty="0"/>
+          </a:p>
+        </p:txBody>
+      </p:sp>
+      <p:sp>
+        <p:nvSpPr>
           <p:cNvPr id="2" name="Title 1"/>
           <p:cNvSpPr>
             <a:spLocks noGrp="1"/>
@@ -3286,7 +3977,12 @@
             <p:ph type="title"/>
           </p:nvPr>
         </p:nvSpPr>
-        <p:spPr/>
+        <p:spPr>
+          <a:xfrm>
+            <a:off x="685800" y="609600"/>
+            <a:ext cx="7543800" cy="914400"/>
+          </a:xfrm>
+        </p:spPr>
         <p:txBody>
           <a:bodyPr/>
           <a:lstStyle/>
@@ -3294,41 +3990,6 @@
             <a:r>
               <a:rPr lang="en-US" dirty="0" smtClean="0"/>
               <a:t>Algorithm</a:t>
-            </a:r>
-            <a:endParaRPr lang="en-US" dirty="0"/>
-          </a:p>
-        </p:txBody>
-      </p:sp>
-      <p:sp>
-        <p:nvSpPr>
-          <p:cNvPr id="3" name="Content Placeholder 2"/>
-          <p:cNvSpPr>
-            <a:spLocks noGrp="1"/>
-          </p:cNvSpPr>
-          <p:nvPr>
-            <p:ph idx="1"/>
-          </p:nvPr>
-        </p:nvSpPr>
-        <p:spPr/>
-        <p:txBody>
-          <a:bodyPr/>
-          <a:lstStyle/>
-          <a:p>
-            <a:r>
-              <a:rPr lang="en-US" dirty="0" smtClean="0"/>
-              <a:t>Adds servers forever</a:t>
-            </a:r>
-          </a:p>
-          <a:p>
-            <a:r>
-              <a:rPr lang="en-US" dirty="0" smtClean="0"/>
-              <a:t>Don’t worry, your network will be so fast that no one will ever go to any competitor</a:t>
-            </a:r>
-          </a:p>
-          <a:p>
-            <a:r>
-              <a:rPr lang="en-US" dirty="0" smtClean="0"/>
-              <a:t>Don’t worry about paying for the infrastructure, that stuff is free anyway, right?</a:t>
             </a:r>
             <a:endParaRPr lang="en-US" dirty="0"/>
           </a:p>
@@ -3344,6 +4005,13 @@
   <p:clrMapOvr>
     <a:masterClrMapping/>
   </p:clrMapOvr>
+  <p:timing>
+    <p:tnLst>
+      <p:par>
+        <p:cTn id="1" dur="indefinite" restart="never" nodeType="tmRoot"/>
+      </p:par>
+    </p:tnLst>
+  </p:timing>
 </p:sld>
 </file>
 
@@ -3366,6 +4034,51 @@
       </p:grpSpPr>
       <p:sp>
         <p:nvSpPr>
+          <p:cNvPr id="3" name="Content Placeholder 2"/>
+          <p:cNvSpPr>
+            <a:spLocks noGrp="1"/>
+          </p:cNvSpPr>
+          <p:nvPr>
+            <p:ph idx="1"/>
+          </p:nvPr>
+        </p:nvSpPr>
+        <p:spPr/>
+        <p:txBody>
+          <a:bodyPr/>
+          <a:lstStyle/>
+          <a:p>
+            <a:r>
+              <a:rPr lang="en-US" dirty="0" smtClean="0"/>
+              <a:t>What GUI</a:t>
+            </a:r>
+            <a:r>
+              <a:rPr lang="en-US" dirty="0" smtClean="0"/>
+              <a:t>?</a:t>
+            </a:r>
+          </a:p>
+          <a:p>
+            <a:r>
+              <a:rPr lang="en-US" dirty="0" smtClean="0"/>
+              <a:t>What do you mean this </a:t>
+            </a:r>
+            <a:r>
+              <a:rPr lang="en-US" dirty="0" err="1" smtClean="0"/>
+              <a:t>powerpoint</a:t>
+            </a:r>
+            <a:r>
+              <a:rPr lang="en-US" dirty="0" smtClean="0"/>
+              <a:t> doesn’t count </a:t>
+            </a:r>
+            <a:r>
+              <a:rPr lang="en-US" smtClean="0"/>
+              <a:t>as a GUI?</a:t>
+            </a:r>
+            <a:endParaRPr lang="en-US" dirty="0"/>
+          </a:p>
+        </p:txBody>
+      </p:sp>
+      <p:sp>
+        <p:nvSpPr>
           <p:cNvPr id="2" name="Title 1"/>
           <p:cNvSpPr>
             <a:spLocks noGrp="1"/>
@@ -3374,7 +4087,12 @@
             <p:ph type="title"/>
           </p:nvPr>
         </p:nvSpPr>
-        <p:spPr/>
+        <p:spPr>
+          <a:xfrm>
+            <a:off x="685800" y="609600"/>
+            <a:ext cx="7543800" cy="914400"/>
+          </a:xfrm>
+        </p:spPr>
         <p:txBody>
           <a:bodyPr/>
           <a:lstStyle/>
@@ -3382,29 +4100,6 @@
             <a:r>
               <a:rPr lang="en-US" dirty="0" smtClean="0"/>
               <a:t>GUI</a:t>
-            </a:r>
-            <a:endParaRPr lang="en-US" dirty="0"/>
-          </a:p>
-        </p:txBody>
-      </p:sp>
-      <p:sp>
-        <p:nvSpPr>
-          <p:cNvPr id="3" name="Content Placeholder 2"/>
-          <p:cNvSpPr>
-            <a:spLocks noGrp="1"/>
-          </p:cNvSpPr>
-          <p:nvPr>
-            <p:ph idx="1"/>
-          </p:nvPr>
-        </p:nvSpPr>
-        <p:spPr/>
-        <p:txBody>
-          <a:bodyPr/>
-          <a:lstStyle/>
-          <a:p>
-            <a:r>
-              <a:rPr lang="en-US" dirty="0" smtClean="0"/>
-              <a:t>What GUI?</a:t>
             </a:r>
             <a:endParaRPr lang="en-US" dirty="0"/>
           </a:p>
@@ -3420,13 +4115,20 @@
   <p:clrMapOvr>
     <a:masterClrMapping/>
   </p:clrMapOvr>
+  <p:timing>
+    <p:tnLst>
+      <p:par>
+        <p:cTn id="1" dur="indefinite" restart="never" nodeType="tmRoot"/>
+      </p:par>
+    </p:tnLst>
+  </p:timing>
 </p:sld>
 </file>
 
 <file path=ppt/theme/theme1.xml><?xml version="1.0" encoding="utf-8"?>
-<a:theme xmlns:a="http://schemas.openxmlformats.org/drawingml/2006/main" name="Office Theme">
+<a:theme xmlns:a="http://schemas.openxmlformats.org/drawingml/2006/main" name="Elemental">
   <a:themeElements>
-    <a:clrScheme name="Office">
+    <a:clrScheme name="Elemental">
       <a:dk1>
         <a:sysClr val="windowText" lastClr="000000"/>
       </a:dk1>
@@ -3434,48 +4136,48 @@
         <a:sysClr val="window" lastClr="FFFFFF"/>
       </a:lt1>
       <a:dk2>
-        <a:srgbClr val="1F497D"/>
+        <a:srgbClr val="242852"/>
       </a:dk2>
       <a:lt2>
-        <a:srgbClr val="EEECE1"/>
+        <a:srgbClr val="ACCBF9"/>
       </a:lt2>
       <a:accent1>
-        <a:srgbClr val="4F81BD"/>
+        <a:srgbClr val="629DD1"/>
       </a:accent1>
       <a:accent2>
-        <a:srgbClr val="C0504D"/>
+        <a:srgbClr val="297FD5"/>
       </a:accent2>
       <a:accent3>
-        <a:srgbClr val="9BBB59"/>
+        <a:srgbClr val="7F8FA9"/>
       </a:accent3>
       <a:accent4>
-        <a:srgbClr val="8064A2"/>
+        <a:srgbClr val="4A66AC"/>
       </a:accent4>
       <a:accent5>
-        <a:srgbClr val="4BACC6"/>
+        <a:srgbClr val="5AA2AE"/>
       </a:accent5>
       <a:accent6>
-        <a:srgbClr val="F79646"/>
+        <a:srgbClr val="9D90A0"/>
       </a:accent6>
       <a:hlink>
-        <a:srgbClr val="0000FF"/>
+        <a:srgbClr val="9454C3"/>
       </a:hlink>
       <a:folHlink>
-        <a:srgbClr val="800080"/>
+        <a:srgbClr val="3EBBF0"/>
       </a:folHlink>
     </a:clrScheme>
-    <a:fontScheme name="Office">
+    <a:fontScheme name="Elemental">
       <a:majorFont>
-        <a:latin typeface="Calibri"/>
+        <a:latin typeface="Palatino Linotype"/>
         <a:ea typeface=""/>
         <a:cs typeface=""/>
-        <a:font script="Jpan" typeface="ＭＳ Ｐゴシック"/>
+        <a:font script="Jpan" typeface="HGS明朝E"/>
         <a:font script="Hang" typeface="맑은 고딕"/>
         <a:font script="Hans" typeface="宋体"/>
         <a:font script="Hant" typeface="新細明體"/>
         <a:font script="Arab" typeface="Times New Roman"/>
         <a:font script="Hebr" typeface="Times New Roman"/>
-        <a:font script="Thai" typeface="Angsana New"/>
+        <a:font script="Thai" typeface="Browallia New"/>
         <a:font script="Ethi" typeface="Nyala"/>
         <a:font script="Beng" typeface="Vrinda"/>
         <a:font script="Gujr" typeface="Shruti"/>
@@ -3501,20 +4203,20 @@
         <a:font script="Geor" typeface="Sylfaen"/>
       </a:majorFont>
       <a:minorFont>
-        <a:latin typeface="Calibri"/>
+        <a:latin typeface="Palatino Linotype"/>
         <a:ea typeface=""/>
         <a:cs typeface=""/>
-        <a:font script="Jpan" typeface="ＭＳ Ｐゴシック"/>
+        <a:font script="Jpan" typeface="HGS明朝E"/>
         <a:font script="Hang" typeface="맑은 고딕"/>
         <a:font script="Hans" typeface="宋体"/>
         <a:font script="Hant" typeface="新細明體"/>
-        <a:font script="Arab" typeface="Arial"/>
-        <a:font script="Hebr" typeface="Arial"/>
-        <a:font script="Thai" typeface="Cordia New"/>
+        <a:font script="Arab" typeface="Times New Roman"/>
+        <a:font script="Hebr" typeface="Times New Roman"/>
+        <a:font script="Thai" typeface="Browallia New"/>
         <a:font script="Ethi" typeface="Nyala"/>
         <a:font script="Beng" typeface="Vrinda"/>
         <a:font script="Gujr" typeface="Shruti"/>
-        <a:font script="Khmr" typeface="DaunPenh"/>
+        <a:font script="Khmr" typeface="MoolBoran"/>
         <a:font script="Knda" typeface="Tunga"/>
         <a:font script="Guru" typeface="Raavi"/>
         <a:font script="Cans" typeface="Euphemia"/>
@@ -3531,12 +4233,12 @@
         <a:font script="Laoo" typeface="DokChampa"/>
         <a:font script="Sinh" typeface="Iskoola Pota"/>
         <a:font script="Mong" typeface="Mongolian Baiti"/>
-        <a:font script="Viet" typeface="Arial"/>
+        <a:font script="Viet" typeface="Times New Roman"/>
         <a:font script="Uigh" typeface="Microsoft Uighur"/>
         <a:font script="Geor" typeface="Sylfaen"/>
       </a:minorFont>
     </a:fontScheme>
-    <a:fmtScheme name="Office">
+    <a:fmtScheme name="Elemental">
       <a:fillStyleLst>
         <a:solidFill>
           <a:schemeClr val="phClr"/>
@@ -3545,20 +4247,19 @@
           <a:gsLst>
             <a:gs pos="0">
               <a:schemeClr val="phClr">
-                <a:tint val="50000"/>
-                <a:satMod val="300000"/>
+                <a:tint val="90000"/>
               </a:schemeClr>
             </a:gs>
-            <a:gs pos="35000">
+            <a:gs pos="48000">
               <a:schemeClr val="phClr">
-                <a:tint val="37000"/>
-                <a:satMod val="300000"/>
+                <a:tint val="54000"/>
+                <a:satMod val="140000"/>
               </a:schemeClr>
             </a:gs>
             <a:gs pos="100000">
               <a:schemeClr val="phClr">
-                <a:tint val="15000"/>
-                <a:satMod val="350000"/>
+                <a:tint val="24000"/>
+                <a:satMod val="260000"/>
               </a:schemeClr>
             </a:gs>
           </a:gsLst>
@@ -3567,44 +4268,40 @@
         <a:gradFill rotWithShape="1">
           <a:gsLst>
             <a:gs pos="0">
+              <a:schemeClr val="phClr"/>
+            </a:gs>
+            <a:gs pos="100000">
               <a:schemeClr val="phClr">
-                <a:shade val="51000"/>
-                <a:satMod val="130000"/>
-              </a:schemeClr>
-            </a:gs>
-            <a:gs pos="80000">
-              <a:schemeClr val="phClr">
-                <a:shade val="93000"/>
-                <a:satMod val="130000"/>
+                <a:shade val="48000"/>
+                <a:satMod val="180000"/>
+                <a:lumMod val="94000"/>
               </a:schemeClr>
             </a:gs>
             <a:gs pos="100000">
               <a:schemeClr val="phClr">
-                <a:shade val="94000"/>
-                <a:satMod val="135000"/>
+                <a:shade val="48000"/>
+                <a:satMod val="180000"/>
+                <a:lumMod val="94000"/>
               </a:schemeClr>
             </a:gs>
           </a:gsLst>
-          <a:lin ang="16200000" scaled="0"/>
+          <a:lin ang="4140000" scaled="1"/>
         </a:gradFill>
       </a:fillStyleLst>
       <a:lnStyleLst>
-        <a:ln w="9525" cap="flat" cmpd="sng" algn="ctr">
-          <a:solidFill>
-            <a:schemeClr val="phClr">
-              <a:shade val="95000"/>
-              <a:satMod val="105000"/>
-            </a:schemeClr>
-          </a:solidFill>
-          <a:prstDash val="solid"/>
-        </a:ln>
-        <a:ln w="25400" cap="flat" cmpd="sng" algn="ctr">
+        <a:ln w="12700" cap="flat" cmpd="sng" algn="ctr">
           <a:solidFill>
             <a:schemeClr val="phClr"/>
           </a:solidFill>
           <a:prstDash val="solid"/>
         </a:ln>
-        <a:ln w="38100" cap="flat" cmpd="sng" algn="ctr">
+        <a:ln w="19050" cap="flat" cmpd="sng" algn="ctr">
+          <a:solidFill>
+            <a:schemeClr val="phClr"/>
+          </a:solidFill>
+          <a:prstDash val="solid"/>
+        </a:ln>
+        <a:ln w="28575" cap="flat" cmpd="sng" algn="ctr">
           <a:solidFill>
             <a:schemeClr val="phClr"/>
           </a:solidFill>
@@ -3614,27 +4311,38 @@
       <a:effectStyleLst>
         <a:effectStyle>
           <a:effectLst>
-            <a:outerShdw blurRad="40000" dist="20000" dir="5400000" rotWithShape="0">
+            <a:outerShdw blurRad="63500" dist="12700" dir="5400000" sx="102000" sy="102000" rotWithShape="0">
               <a:srgbClr val="000000">
-                <a:alpha val="38000"/>
+                <a:alpha val="32000"/>
               </a:srgbClr>
             </a:outerShdw>
           </a:effectLst>
         </a:effectStyle>
         <a:effectStyle>
           <a:effectLst>
-            <a:outerShdw blurRad="40000" dist="23000" dir="5400000" rotWithShape="0">
+            <a:outerShdw blurRad="76200" dist="38100" dir="5400000" rotWithShape="0">
               <a:srgbClr val="000000">
-                <a:alpha val="35000"/>
+                <a:alpha val="60000"/>
               </a:srgbClr>
             </a:outerShdw>
           </a:effectLst>
+          <a:scene3d>
+            <a:camera prst="orthographicFront">
+              <a:rot lat="0" lon="0" rev="0"/>
+            </a:camera>
+            <a:lightRig rig="glow" dir="tl">
+              <a:rot lat="0" lon="0" rev="19800000"/>
+            </a:lightRig>
+          </a:scene3d>
+          <a:sp3d prstMaterial="metal">
+            <a:bevelT w="38100" h="38100"/>
+          </a:sp3d>
         </a:effectStyle>
         <a:effectStyle>
           <a:effectLst>
-            <a:outerShdw blurRad="40000" dist="23000" dir="5400000" rotWithShape="0">
+            <a:outerShdw blurRad="114300" dist="114300" dir="5400000" rotWithShape="0">
               <a:srgbClr val="000000">
-                <a:alpha val="35000"/>
+                <a:alpha val="70000"/>
               </a:srgbClr>
             </a:outerShdw>
           </a:effectLst>
@@ -3643,11 +4351,11 @@
               <a:rot lat="0" lon="0" rev="0"/>
             </a:camera>
             <a:lightRig rig="threePt" dir="t">
-              <a:rot lat="0" lon="0" rev="1200000"/>
+              <a:rot lat="0" lon="0" rev="19800000"/>
             </a:lightRig>
           </a:scene3d>
-          <a:sp3d>
-            <a:bevelT w="63500" h="25400"/>
+          <a:sp3d prstMaterial="plastic">
+            <a:bevelT w="50800" h="50800"/>
           </a:sp3d>
         </a:effectStyle>
       </a:effectStyleLst>
@@ -3659,47 +4367,33 @@
           <a:gsLst>
             <a:gs pos="0">
               <a:schemeClr val="phClr">
-                <a:tint val="40000"/>
-                <a:satMod val="350000"/>
-              </a:schemeClr>
-            </a:gs>
-            <a:gs pos="40000">
-              <a:schemeClr val="phClr">
-                <a:tint val="45000"/>
-                <a:shade val="99000"/>
-                <a:satMod val="350000"/>
+                <a:tint val="95000"/>
               </a:schemeClr>
             </a:gs>
             <a:gs pos="100000">
               <a:schemeClr val="phClr">
-                <a:shade val="20000"/>
-                <a:satMod val="255000"/>
+                <a:shade val="40000"/>
+                <a:satMod val="180000"/>
               </a:schemeClr>
             </a:gs>
           </a:gsLst>
-          <a:path path="circle">
-            <a:fillToRect l="50000" t="-80000" r="50000" b="180000"/>
-          </a:path>
+          <a:lin ang="5400000" scaled="0"/>
         </a:gradFill>
-        <a:gradFill rotWithShape="1">
-          <a:gsLst>
-            <a:gs pos="0">
+        <a:blipFill>
+          <a:blip xmlns:r="http://schemas.openxmlformats.org/officeDocument/2006/relationships" r:embed="rId1">
+            <a:duotone>
               <a:schemeClr val="phClr">
-                <a:tint val="80000"/>
-                <a:satMod val="300000"/>
+                <a:shade val="14000"/>
+                <a:satMod val="280000"/>
               </a:schemeClr>
-            </a:gs>
-            <a:gs pos="100000">
               <a:schemeClr val="phClr">
-                <a:shade val="30000"/>
-                <a:satMod val="200000"/>
+                <a:tint val="60000"/>
+                <a:satMod val="120000"/>
               </a:schemeClr>
-            </a:gs>
-          </a:gsLst>
-          <a:path path="circle">
-            <a:fillToRect l="50000" t="50000" r="50000" b="50000"/>
-          </a:path>
-        </a:gradFill>
+            </a:duotone>
+          </a:blip>
+          <a:stretch/>
+        </a:blipFill>
       </a:bgFillStyleLst>
     </a:fmtScheme>
   </a:themeElements>

--- a/Hack-a-Thon Presentation.pptx
+++ b/Hack-a-Thon Presentation.pptx
@@ -347,7 +347,7 @@
           <a:p>
             <a:fld id="{84B8C708-5D84-4627-85B8-91F380789222}" type="datetimeFigureOut">
               <a:rPr lang="en-US" smtClean="0"/>
-              <a:t>5/5/2013</a:t>
+              <a:t>5/5/13</a:t>
             </a:fld>
             <a:endParaRPr lang="en-US"/>
           </a:p>
@@ -517,7 +517,7 @@
           <a:p>
             <a:fld id="{84B8C708-5D84-4627-85B8-91F380789222}" type="datetimeFigureOut">
               <a:rPr lang="en-US" smtClean="0"/>
-              <a:t>5/5/2013</a:t>
+              <a:t>5/5/13</a:t>
             </a:fld>
             <a:endParaRPr lang="en-US"/>
           </a:p>
@@ -692,7 +692,7 @@
           <a:p>
             <a:fld id="{84B8C708-5D84-4627-85B8-91F380789222}" type="datetimeFigureOut">
               <a:rPr lang="en-US" smtClean="0"/>
-              <a:t>5/5/2013</a:t>
+              <a:t>5/5/13</a:t>
             </a:fld>
             <a:endParaRPr lang="en-US"/>
           </a:p>
@@ -857,7 +857,7 @@
           <a:p>
             <a:fld id="{84B8C708-5D84-4627-85B8-91F380789222}" type="datetimeFigureOut">
               <a:rPr lang="en-US" smtClean="0"/>
-              <a:t>5/5/2013</a:t>
+              <a:t>5/5/13</a:t>
             </a:fld>
             <a:endParaRPr lang="en-US"/>
           </a:p>
@@ -1114,7 +1114,7 @@
           <a:p>
             <a:fld id="{84B8C708-5D84-4627-85B8-91F380789222}" type="datetimeFigureOut">
               <a:rPr lang="en-US" smtClean="0"/>
-              <a:t>5/5/2013</a:t>
+              <a:t>5/5/13</a:t>
             </a:fld>
             <a:endParaRPr lang="en-US"/>
           </a:p>
@@ -1254,7 +1254,7 @@
           <a:p>
             <a:fld id="{84B8C708-5D84-4627-85B8-91F380789222}" type="datetimeFigureOut">
               <a:rPr lang="en-US" smtClean="0"/>
-              <a:t>5/5/2013</a:t>
+              <a:t>5/5/13</a:t>
             </a:fld>
             <a:endParaRPr lang="en-US"/>
           </a:p>
@@ -1904,7 +1904,7 @@
           <a:p>
             <a:fld id="{84B8C708-5D84-4627-85B8-91F380789222}" type="datetimeFigureOut">
               <a:rPr lang="en-US" smtClean="0"/>
-              <a:t>5/5/2013</a:t>
+              <a:t>5/5/13</a:t>
             </a:fld>
             <a:endParaRPr lang="en-US"/>
           </a:p>
@@ -2017,7 +2017,7 @@
           <a:p>
             <a:fld id="{84B8C708-5D84-4627-85B8-91F380789222}" type="datetimeFigureOut">
               <a:rPr lang="en-US" smtClean="0"/>
-              <a:t>5/5/2013</a:t>
+              <a:t>5/5/13</a:t>
             </a:fld>
             <a:endParaRPr lang="en-US"/>
           </a:p>
@@ -2107,7 +2107,7 @@
           <a:p>
             <a:fld id="{84B8C708-5D84-4627-85B8-91F380789222}" type="datetimeFigureOut">
               <a:rPr lang="en-US" smtClean="0"/>
-              <a:t>5/5/2013</a:t>
+              <a:t>5/5/13</a:t>
             </a:fld>
             <a:endParaRPr lang="en-US"/>
           </a:p>
@@ -2397,7 +2397,7 @@
           <a:p>
             <a:fld id="{84B8C708-5D84-4627-85B8-91F380789222}" type="datetimeFigureOut">
               <a:rPr lang="en-US" smtClean="0"/>
-              <a:t>5/5/2013</a:t>
+              <a:t>5/5/13</a:t>
             </a:fld>
             <a:endParaRPr lang="en-US"/>
           </a:p>
@@ -2720,7 +2720,7 @@
           <a:p>
             <a:fld id="{84B8C708-5D84-4627-85B8-91F380789222}" type="datetimeFigureOut">
               <a:rPr lang="en-US" smtClean="0"/>
-              <a:t>5/5/2013</a:t>
+              <a:t>5/5/13</a:t>
             </a:fld>
             <a:endParaRPr lang="en-US"/>
           </a:p>
@@ -3206,7 +3206,7 @@
           <a:p>
             <a:fld id="{84B8C708-5D84-4627-85B8-91F380789222}" type="datetimeFigureOut">
               <a:rPr lang="en-US" smtClean="0"/>
-              <a:t>5/5/2013</a:t>
+              <a:t>5/5/13</a:t>
             </a:fld>
             <a:endParaRPr lang="en-US"/>
           </a:p>
@@ -3795,7 +3795,7 @@
   <p:timing>
     <p:tnLst>
       <p:par>
-        <p:cTn id="1" dur="indefinite" restart="never" nodeType="tmRoot"/>
+        <p:cTn xmlns:p14="http://schemas.microsoft.com/office/powerpoint/2010/main" id="1" dur="indefinite" restart="never" nodeType="tmRoot"/>
       </p:par>
     </p:tnLst>
   </p:timing>
@@ -3845,8 +3845,8 @@
               <a:t>It’s written in </a:t>
             </a:r>
             <a:r>
-              <a:rPr lang="en-US" dirty="0" err="1" smtClean="0"/>
-              <a:t>php</a:t>
+              <a:rPr lang="en-US" dirty="0" smtClean="0"/>
+              <a:t>PHP</a:t>
             </a:r>
             <a:endParaRPr lang="en-US" dirty="0" smtClean="0"/>
           </a:p>
@@ -3893,7 +3893,7 @@
   <p:timing>
     <p:tnLst>
       <p:par>
-        <p:cTn id="1" dur="indefinite" restart="never" nodeType="tmRoot"/>
+        <p:cTn xmlns:p14="http://schemas.microsoft.com/office/powerpoint/2010/main" id="1" dur="indefinite" restart="never" nodeType="tmRoot"/>
       </p:par>
     </p:tnLst>
   </p:timing>
@@ -3951,11 +3951,7 @@
           <a:p>
             <a:r>
               <a:rPr lang="en-US" dirty="0" smtClean="0"/>
-              <a:t>Don’t worry about paying for the infrastructure, that stuff is free anyway, right</a:t>
-            </a:r>
-            <a:r>
-              <a:rPr lang="en-US" dirty="0" smtClean="0"/>
-              <a:t>?</a:t>
+              <a:t>Don’t worry about paying for the infrastructure, that stuff is free anyway, right?</a:t>
             </a:r>
           </a:p>
           <a:p>
@@ -4008,7 +4004,7 @@
   <p:timing>
     <p:tnLst>
       <p:par>
-        <p:cTn id="1" dur="indefinite" restart="never" nodeType="tmRoot"/>
+        <p:cTn xmlns:p14="http://schemas.microsoft.com/office/powerpoint/2010/main" id="1" dur="indefinite" restart="never" nodeType="tmRoot"/>
       </p:par>
     </p:tnLst>
   </p:timing>
@@ -4049,7 +4045,25 @@
           <a:p>
             <a:r>
               <a:rPr lang="en-US" dirty="0" smtClean="0"/>
-              <a:t>What GUI</a:t>
+              <a:t>What GUI?</a:t>
+            </a:r>
+          </a:p>
+          <a:p>
+            <a:r>
+              <a:rPr lang="en-US" dirty="0" smtClean="0"/>
+              <a:t>What do you mean this </a:t>
+            </a:r>
+            <a:r>
+              <a:rPr lang="en-US" dirty="0" smtClean="0"/>
+              <a:t>P</a:t>
+            </a:r>
+            <a:r>
+              <a:rPr lang="en-US" dirty="0" smtClean="0"/>
+              <a:t>owerPoint </a:t>
+            </a:r>
+            <a:r>
+              <a:rPr lang="en-US" dirty="0" smtClean="0"/>
+              <a:t>doesn’t count as a GUI</a:t>
             </a:r>
             <a:r>
               <a:rPr lang="en-US" dirty="0" smtClean="0"/>
@@ -4059,19 +4073,27 @@
           <a:p>
             <a:r>
               <a:rPr lang="en-US" dirty="0" smtClean="0"/>
-              <a:t>What do you mean this </a:t>
+              <a:t>Originally investigated a PHP shell for the Google </a:t>
+            </a:r>
+            <a:r>
+              <a:rPr lang="en-US" dirty="0" smtClean="0"/>
+              <a:t>Chart</a:t>
+            </a:r>
+            <a:r>
+              <a:rPr lang="en-US" dirty="0" smtClean="0"/>
+              <a:t>s API called </a:t>
             </a:r>
             <a:r>
               <a:rPr lang="en-US" dirty="0" err="1" smtClean="0"/>
-              <a:t>powerpoint</a:t>
-            </a:r>
+              <a:t>gChartPHP</a:t>
+            </a:r>
+            <a:endParaRPr lang="en-US" dirty="0" smtClean="0"/>
+          </a:p>
+          <a:p>
+            <a:pPr lvl="1"/>
             <a:r>
               <a:rPr lang="en-US" dirty="0" smtClean="0"/>
-              <a:t> doesn’t count </a:t>
-            </a:r>
-            <a:r>
-              <a:rPr lang="en-US" smtClean="0"/>
-              <a:t>as a GUI?</a:t>
+              <a:t>Worked for a while (meaning, things showed up on the screen) but then it didn’t</a:t>
             </a:r>
             <a:endParaRPr lang="en-US" dirty="0"/>
           </a:p>
@@ -4118,7 +4140,7 @@
   <p:timing>
     <p:tnLst>
       <p:par>
-        <p:cTn id="1" dur="indefinite" restart="never" nodeType="tmRoot"/>
+        <p:cTn xmlns:p14="http://schemas.microsoft.com/office/powerpoint/2010/main" id="1" dur="indefinite" restart="never" nodeType="tmRoot"/>
       </p:par>
     </p:tnLst>
   </p:timing>

--- a/Hack-a-Thon Presentation.pptx
+++ b/Hack-a-Thon Presentation.pptx
@@ -347,7 +347,7 @@
           <a:p>
             <a:fld id="{84B8C708-5D84-4627-85B8-91F380789222}" type="datetimeFigureOut">
               <a:rPr lang="en-US" smtClean="0"/>
-              <a:t>5/5/13</a:t>
+              <a:t>5/5/2013</a:t>
             </a:fld>
             <a:endParaRPr lang="en-US"/>
           </a:p>
@@ -517,7 +517,7 @@
           <a:p>
             <a:fld id="{84B8C708-5D84-4627-85B8-91F380789222}" type="datetimeFigureOut">
               <a:rPr lang="en-US" smtClean="0"/>
-              <a:t>5/5/13</a:t>
+              <a:t>5/5/2013</a:t>
             </a:fld>
             <a:endParaRPr lang="en-US"/>
           </a:p>
@@ -692,7 +692,7 @@
           <a:p>
             <a:fld id="{84B8C708-5D84-4627-85B8-91F380789222}" type="datetimeFigureOut">
               <a:rPr lang="en-US" smtClean="0"/>
-              <a:t>5/5/13</a:t>
+              <a:t>5/5/2013</a:t>
             </a:fld>
             <a:endParaRPr lang="en-US"/>
           </a:p>
@@ -857,7 +857,7 @@
           <a:p>
             <a:fld id="{84B8C708-5D84-4627-85B8-91F380789222}" type="datetimeFigureOut">
               <a:rPr lang="en-US" smtClean="0"/>
-              <a:t>5/5/13</a:t>
+              <a:t>5/5/2013</a:t>
             </a:fld>
             <a:endParaRPr lang="en-US"/>
           </a:p>
@@ -1114,7 +1114,7 @@
           <a:p>
             <a:fld id="{84B8C708-5D84-4627-85B8-91F380789222}" type="datetimeFigureOut">
               <a:rPr lang="en-US" smtClean="0"/>
-              <a:t>5/5/13</a:t>
+              <a:t>5/5/2013</a:t>
             </a:fld>
             <a:endParaRPr lang="en-US"/>
           </a:p>
@@ -1254,7 +1254,7 @@
           <a:p>
             <a:fld id="{84B8C708-5D84-4627-85B8-91F380789222}" type="datetimeFigureOut">
               <a:rPr lang="en-US" smtClean="0"/>
-              <a:t>5/5/13</a:t>
+              <a:t>5/5/2013</a:t>
             </a:fld>
             <a:endParaRPr lang="en-US"/>
           </a:p>
@@ -1904,7 +1904,7 @@
           <a:p>
             <a:fld id="{84B8C708-5D84-4627-85B8-91F380789222}" type="datetimeFigureOut">
               <a:rPr lang="en-US" smtClean="0"/>
-              <a:t>5/5/13</a:t>
+              <a:t>5/5/2013</a:t>
             </a:fld>
             <a:endParaRPr lang="en-US"/>
           </a:p>
@@ -2017,7 +2017,7 @@
           <a:p>
             <a:fld id="{84B8C708-5D84-4627-85B8-91F380789222}" type="datetimeFigureOut">
               <a:rPr lang="en-US" smtClean="0"/>
-              <a:t>5/5/13</a:t>
+              <a:t>5/5/2013</a:t>
             </a:fld>
             <a:endParaRPr lang="en-US"/>
           </a:p>
@@ -2107,7 +2107,7 @@
           <a:p>
             <a:fld id="{84B8C708-5D84-4627-85B8-91F380789222}" type="datetimeFigureOut">
               <a:rPr lang="en-US" smtClean="0"/>
-              <a:t>5/5/13</a:t>
+              <a:t>5/5/2013</a:t>
             </a:fld>
             <a:endParaRPr lang="en-US"/>
           </a:p>
@@ -2397,7 +2397,7 @@
           <a:p>
             <a:fld id="{84B8C708-5D84-4627-85B8-91F380789222}" type="datetimeFigureOut">
               <a:rPr lang="en-US" smtClean="0"/>
-              <a:t>5/5/13</a:t>
+              <a:t>5/5/2013</a:t>
             </a:fld>
             <a:endParaRPr lang="en-US"/>
           </a:p>
@@ -2720,7 +2720,7 @@
           <a:p>
             <a:fld id="{84B8C708-5D84-4627-85B8-91F380789222}" type="datetimeFigureOut">
               <a:rPr lang="en-US" smtClean="0"/>
-              <a:t>5/5/13</a:t>
+              <a:t>5/5/2013</a:t>
             </a:fld>
             <a:endParaRPr lang="en-US"/>
           </a:p>
@@ -3206,7 +3206,7 @@
           <a:p>
             <a:fld id="{84B8C708-5D84-4627-85B8-91F380789222}" type="datetimeFigureOut">
               <a:rPr lang="en-US" smtClean="0"/>
-              <a:t>5/5/13</a:t>
+              <a:t>5/5/2013</a:t>
             </a:fld>
             <a:endParaRPr lang="en-US"/>
           </a:p>
@@ -3795,7 +3795,7 @@
   <p:timing>
     <p:tnLst>
       <p:par>
-        <p:cTn xmlns:p14="http://schemas.microsoft.com/office/powerpoint/2010/main" id="1" dur="indefinite" restart="never" nodeType="tmRoot"/>
+        <p:cTn id="1" dur="indefinite" restart="never" nodeType="tmRoot"/>
       </p:par>
     </p:tnLst>
   </p:timing>
@@ -3845,8 +3845,8 @@
               <a:t>It’s written in </a:t>
             </a:r>
             <a:r>
-              <a:rPr lang="en-US" dirty="0" smtClean="0"/>
-              <a:t>PHP</a:t>
+              <a:rPr lang="en-US" dirty="0" err="1" smtClean="0"/>
+              <a:t>php</a:t>
             </a:r>
             <a:endParaRPr lang="en-US" dirty="0" smtClean="0"/>
           </a:p>
@@ -3893,7 +3893,7 @@
   <p:timing>
     <p:tnLst>
       <p:par>
-        <p:cTn xmlns:p14="http://schemas.microsoft.com/office/powerpoint/2010/main" id="1" dur="indefinite" restart="never" nodeType="tmRoot"/>
+        <p:cTn id="1" dur="indefinite" restart="never" nodeType="tmRoot"/>
       </p:par>
     </p:tnLst>
   </p:timing>
@@ -3951,7 +3951,11 @@
           <a:p>
             <a:r>
               <a:rPr lang="en-US" dirty="0" smtClean="0"/>
-              <a:t>Don’t worry about paying for the infrastructure, that stuff is free anyway, right?</a:t>
+              <a:t>Don’t worry about paying for the infrastructure, that stuff is free anyway, right</a:t>
+            </a:r>
+            <a:r>
+              <a:rPr lang="en-US" dirty="0" smtClean="0"/>
+              <a:t>?</a:t>
             </a:r>
           </a:p>
           <a:p>
@@ -4004,7 +4008,7 @@
   <p:timing>
     <p:tnLst>
       <p:par>
-        <p:cTn xmlns:p14="http://schemas.microsoft.com/office/powerpoint/2010/main" id="1" dur="indefinite" restart="never" nodeType="tmRoot"/>
+        <p:cTn id="1" dur="indefinite" restart="never" nodeType="tmRoot"/>
       </p:par>
     </p:tnLst>
   </p:timing>
@@ -4045,7 +4049,11 @@
           <a:p>
             <a:r>
               <a:rPr lang="en-US" dirty="0" smtClean="0"/>
-              <a:t>What GUI?</a:t>
+              <a:t>What GUI</a:t>
+            </a:r>
+            <a:r>
+              <a:rPr lang="en-US" dirty="0" smtClean="0"/>
+              <a:t>?</a:t>
             </a:r>
           </a:p>
           <a:p>
@@ -4054,46 +4062,16 @@
               <a:t>What do you mean this </a:t>
             </a:r>
             <a:r>
+              <a:rPr lang="en-US" dirty="0" err="1" smtClean="0"/>
+              <a:t>powerpoint</a:t>
+            </a:r>
+            <a:r>
               <a:rPr lang="en-US" dirty="0" smtClean="0"/>
-              <a:t>P</a:t>
-            </a:r>
-            <a:r>
-              <a:rPr lang="en-US" dirty="0" smtClean="0"/>
-              <a:t>owerPoint </a:t>
-            </a:r>
-            <a:r>
-              <a:rPr lang="en-US" dirty="0" smtClean="0"/>
-              <a:t>doesn’t count as a GUI</a:t>
-            </a:r>
-            <a:r>
-              <a:rPr lang="en-US" dirty="0" smtClean="0"/>
-              <a:t>?</a:t>
-            </a:r>
-          </a:p>
-          <a:p>
-            <a:r>
-              <a:rPr lang="en-US" dirty="0" smtClean="0"/>
-              <a:t>Originally investigated a PHP shell for the Google </a:t>
-            </a:r>
-            <a:r>
-              <a:rPr lang="en-US" dirty="0" smtClean="0"/>
-              <a:t>Chart</a:t>
-            </a:r>
-            <a:r>
-              <a:rPr lang="en-US" dirty="0" smtClean="0"/>
-              <a:t>s API called </a:t>
-            </a:r>
-            <a:r>
-              <a:rPr lang="en-US" dirty="0" err="1" smtClean="0"/>
-              <a:t>gChartPHP</a:t>
-            </a:r>
-            <a:endParaRPr lang="en-US" dirty="0" smtClean="0"/>
-          </a:p>
-          <a:p>
-            <a:pPr lvl="1"/>
-            <a:r>
-              <a:rPr lang="en-US" dirty="0" smtClean="0"/>
-              <a:t>Worked for a while (meaning, things showed up on the screen) but then it didn’t</a:t>
+              <a:t> doesn’t count </a:t>
+            </a:r>
+            <a:r>
+              <a:rPr lang="en-US" smtClean="0"/>
+              <a:t>as a GUI?</a:t>
             </a:r>
             <a:endParaRPr lang="en-US" dirty="0"/>
           </a:p>
@@ -4140,7 +4118,7 @@
   <p:timing>
     <p:tnLst>
       <p:par>
-        <p:cTn xmlns:p14="http://schemas.microsoft.com/office/powerpoint/2010/main" id="1" dur="indefinite" restart="never" nodeType="tmRoot"/>
+        <p:cTn id="1" dur="indefinite" restart="never" nodeType="tmRoot"/>
       </p:par>
     </p:tnLst>
   </p:timing>
